--- a/Slides/Core Patterns for Coding with AI.pptx
+++ b/Slides/Core Patterns for Coding with AI.pptx
@@ -5,10 +5,21 @@
     <p:sldMasterId id="2147483648" r:id="rId1"/>
   </p:sldMasterIdLst>
   <p:notesMasterIdLst>
-    <p:notesMasterId r:id="rId3"/>
+    <p:notesMasterId r:id="rId14"/>
   </p:notesMasterIdLst>
   <p:sldIdLst>
     <p:sldId id="406" r:id="rId2"/>
+    <p:sldId id="407" r:id="rId3"/>
+    <p:sldId id="409" r:id="rId4"/>
+    <p:sldId id="408" r:id="rId5"/>
+    <p:sldId id="410" r:id="rId6"/>
+    <p:sldId id="412" r:id="rId7"/>
+    <p:sldId id="411" r:id="rId8"/>
+    <p:sldId id="413" r:id="rId9"/>
+    <p:sldId id="414" r:id="rId10"/>
+    <p:sldId id="415" r:id="rId11"/>
+    <p:sldId id="416" r:id="rId12"/>
+    <p:sldId id="417" r:id="rId13"/>
   </p:sldIdLst>
   <p:sldSz cx="12192000" cy="6858000"/>
   <p:notesSz cx="6858000" cy="9144000"/>
@@ -108,6 +119,50 @@
     </a:lvl9pPr>
   </p:defaultTextStyle>
   <p:extLst>
+    <p:ext uri="{521415D9-36F7-43E2-AB2F-B90AF26B5E84}">
+      <p14:sectionLst xmlns:p14="http://schemas.microsoft.com/office/powerpoint/2010/main">
+        <p14:section name="Default Section" id="{671DC70A-D524-3A4B-A0F9-F4617108E011}">
+          <p14:sldIdLst>
+            <p14:sldId id="406"/>
+          </p14:sldIdLst>
+        </p14:section>
+        <p14:section name="Context" id="{BAB000E7-80B1-704A-A0C5-450F92E3F251}">
+          <p14:sldIdLst>
+            <p14:sldId id="407"/>
+            <p14:sldId id="409"/>
+            <p14:sldId id="408"/>
+            <p14:sldId id="410"/>
+            <p14:sldId id="412"/>
+            <p14:sldId id="411"/>
+          </p14:sldIdLst>
+        </p14:section>
+        <p14:section name="Focus" id="{6B4D6D1F-5799-A14A-9FA6-E5C32431763E}">
+          <p14:sldIdLst>
+            <p14:sldId id="413"/>
+          </p14:sldIdLst>
+        </p14:section>
+        <p14:section name="Noise" id="{CEA63F78-168F-AB43-B239-21C6524ECBFB}">
+          <p14:sldIdLst>
+            <p14:sldId id="414"/>
+          </p14:sldIdLst>
+        </p14:section>
+        <p14:section name="Non-Determinism" id="{A4346C11-1A94-5943-93C2-38DD8C850FDB}">
+          <p14:sldIdLst>
+            <p14:sldId id="415"/>
+          </p14:sldIdLst>
+        </p14:section>
+        <p14:section name="Complexity" id="{82D7DA53-C9B3-604E-9780-198E3A262E90}">
+          <p14:sldIdLst>
+            <p14:sldId id="416"/>
+          </p14:sldIdLst>
+        </p14:section>
+        <p14:section name="Thought Partner" id="{F1712C9A-310F-0B43-8042-6EC8C3D964FC}">
+          <p14:sldIdLst>
+            <p14:sldId id="417"/>
+          </p14:sldIdLst>
+        </p14:section>
+      </p14:sectionLst>
+    </p:ext>
     <p:ext uri="{EFAFB233-063F-42B5-8137-9DF3F51BA10A}">
       <p15:sldGuideLst xmlns:p15="http://schemas.microsoft.com/office/powerpoint/2012/main">
         <p15:guide id="1" orient="horz" pos="2160" userDrawn="1">
@@ -580,6 +635,198 @@
     <p:extLst>
       <p:ext uri="{BB962C8B-B14F-4D97-AF65-F5344CB8AC3E}">
         <p14:creationId xmlns:p14="http://schemas.microsoft.com/office/powerpoint/2010/main" val="3056185242"/>
+      </p:ext>
+    </p:extLst>
+  </p:cSld>
+  <p:clrMapOvr>
+    <a:masterClrMapping/>
+  </p:clrMapOvr>
+</p:notes>
+</file>
+
+<file path=ppt/notesSlides/notesSlide2.xml><?xml version="1.0" encoding="utf-8"?>
+<p:notes xmlns:a="http://schemas.openxmlformats.org/drawingml/2006/main" xmlns:r="http://schemas.openxmlformats.org/officeDocument/2006/relationships" xmlns:p="http://schemas.openxmlformats.org/presentationml/2006/main">
+  <p:cSld>
+    <p:spTree>
+      <p:nvGrpSpPr>
+        <p:cNvPr id="1" name=""/>
+        <p:cNvGrpSpPr/>
+        <p:nvPr/>
+      </p:nvGrpSpPr>
+      <p:grpSpPr>
+        <a:xfrm>
+          <a:off x="0" y="0"/>
+          <a:ext cx="0" cy="0"/>
+          <a:chOff x="0" y="0"/>
+          <a:chExt cx="0" cy="0"/>
+        </a:xfrm>
+      </p:grpSpPr>
+      <p:sp>
+        <p:nvSpPr>
+          <p:cNvPr id="2" name="Slide Image Placeholder 1"/>
+          <p:cNvSpPr>
+            <a:spLocks noGrp="1" noRot="1" noChangeAspect="1"/>
+          </p:cNvSpPr>
+          <p:nvPr>
+            <p:ph type="sldImg"/>
+          </p:nvPr>
+        </p:nvSpPr>
+        <p:spPr/>
+      </p:sp>
+      <p:sp>
+        <p:nvSpPr>
+          <p:cNvPr id="3" name="Notes Placeholder 2"/>
+          <p:cNvSpPr>
+            <a:spLocks noGrp="1"/>
+          </p:cNvSpPr>
+          <p:nvPr>
+            <p:ph type="body" idx="1"/>
+          </p:nvPr>
+        </p:nvSpPr>
+        <p:spPr/>
+        <p:txBody>
+          <a:bodyPr/>
+          <a:lstStyle/>
+          <a:p>
+            <a:endParaRPr lang="en-US"/>
+          </a:p>
+        </p:txBody>
+      </p:sp>
+      <p:sp>
+        <p:nvSpPr>
+          <p:cNvPr id="4" name="Slide Number Placeholder 3"/>
+          <p:cNvSpPr>
+            <a:spLocks noGrp="1"/>
+          </p:cNvSpPr>
+          <p:nvPr>
+            <p:ph type="sldNum" sz="quarter" idx="5"/>
+          </p:nvPr>
+        </p:nvSpPr>
+        <p:spPr/>
+        <p:txBody>
+          <a:bodyPr/>
+          <a:lstStyle/>
+          <a:p>
+            <a:fld id="{FC5BBC2B-72B0-2542-8213-717906F3F32B}" type="slidenum">
+              <a:rPr lang="en-US" smtClean="0"/>
+              <a:t>5</a:t>
+            </a:fld>
+            <a:endParaRPr lang="en-US"/>
+          </a:p>
+        </p:txBody>
+      </p:sp>
+    </p:spTree>
+    <p:extLst>
+      <p:ext uri="{BB962C8B-B14F-4D97-AF65-F5344CB8AC3E}">
+        <p14:creationId xmlns:p14="http://schemas.microsoft.com/office/powerpoint/2010/main" val="3545710999"/>
+      </p:ext>
+    </p:extLst>
+  </p:cSld>
+  <p:clrMapOvr>
+    <a:masterClrMapping/>
+  </p:clrMapOvr>
+</p:notes>
+</file>
+
+<file path=ppt/notesSlides/notesSlide3.xml><?xml version="1.0" encoding="utf-8"?>
+<p:notes xmlns:a="http://schemas.openxmlformats.org/drawingml/2006/main" xmlns:r="http://schemas.openxmlformats.org/officeDocument/2006/relationships" xmlns:p="http://schemas.openxmlformats.org/presentationml/2006/main">
+  <p:cSld>
+    <p:spTree>
+      <p:nvGrpSpPr>
+        <p:cNvPr id="1" name="">
+          <a:extLst>
+            <a:ext uri="{FF2B5EF4-FFF2-40B4-BE49-F238E27FC236}">
+              <a16:creationId xmlns:a16="http://schemas.microsoft.com/office/drawing/2014/main" id="{E50C67C8-48AD-6905-AEBC-E65BF6940E2F}"/>
+            </a:ext>
+          </a:extLst>
+        </p:cNvPr>
+        <p:cNvGrpSpPr/>
+        <p:nvPr/>
+      </p:nvGrpSpPr>
+      <p:grpSpPr>
+        <a:xfrm>
+          <a:off x="0" y="0"/>
+          <a:ext cx="0" cy="0"/>
+          <a:chOff x="0" y="0"/>
+          <a:chExt cx="0" cy="0"/>
+        </a:xfrm>
+      </p:grpSpPr>
+      <p:sp>
+        <p:nvSpPr>
+          <p:cNvPr id="2" name="Slide Image Placeholder 1">
+            <a:extLst>
+              <a:ext uri="{FF2B5EF4-FFF2-40B4-BE49-F238E27FC236}">
+                <a16:creationId xmlns:a16="http://schemas.microsoft.com/office/drawing/2014/main" id="{89CC029F-0C19-4AE6-74B3-57AB7BB40701}"/>
+              </a:ext>
+            </a:extLst>
+          </p:cNvPr>
+          <p:cNvSpPr>
+            <a:spLocks noGrp="1" noRot="1" noChangeAspect="1"/>
+          </p:cNvSpPr>
+          <p:nvPr>
+            <p:ph type="sldImg"/>
+          </p:nvPr>
+        </p:nvSpPr>
+        <p:spPr/>
+      </p:sp>
+      <p:sp>
+        <p:nvSpPr>
+          <p:cNvPr id="3" name="Notes Placeholder 2">
+            <a:extLst>
+              <a:ext uri="{FF2B5EF4-FFF2-40B4-BE49-F238E27FC236}">
+                <a16:creationId xmlns:a16="http://schemas.microsoft.com/office/drawing/2014/main" id="{7F5F6152-9663-D258-8AAF-3F4A2256A0E4}"/>
+              </a:ext>
+            </a:extLst>
+          </p:cNvPr>
+          <p:cNvSpPr>
+            <a:spLocks noGrp="1"/>
+          </p:cNvSpPr>
+          <p:nvPr>
+            <p:ph type="body" idx="1"/>
+          </p:nvPr>
+        </p:nvSpPr>
+        <p:spPr/>
+        <p:txBody>
+          <a:bodyPr/>
+          <a:lstStyle/>
+          <a:p>
+            <a:endParaRPr lang="en-US"/>
+          </a:p>
+        </p:txBody>
+      </p:sp>
+      <p:sp>
+        <p:nvSpPr>
+          <p:cNvPr id="4" name="Slide Number Placeholder 3">
+            <a:extLst>
+              <a:ext uri="{FF2B5EF4-FFF2-40B4-BE49-F238E27FC236}">
+                <a16:creationId xmlns:a16="http://schemas.microsoft.com/office/drawing/2014/main" id="{464C16E4-0AAD-1F5B-B8A4-50744C9E3EA4}"/>
+              </a:ext>
+            </a:extLst>
+          </p:cNvPr>
+          <p:cNvSpPr>
+            <a:spLocks noGrp="1"/>
+          </p:cNvSpPr>
+          <p:nvPr>
+            <p:ph type="sldNum" sz="quarter" idx="5"/>
+          </p:nvPr>
+        </p:nvSpPr>
+        <p:spPr/>
+        <p:txBody>
+          <a:bodyPr/>
+          <a:lstStyle/>
+          <a:p>
+            <a:fld id="{FC5BBC2B-72B0-2542-8213-717906F3F32B}" type="slidenum">
+              <a:rPr lang="en-US" smtClean="0"/>
+              <a:t>6</a:t>
+            </a:fld>
+            <a:endParaRPr lang="en-US"/>
+          </a:p>
+        </p:txBody>
+      </p:sp>
+    </p:spTree>
+    <p:extLst>
+      <p:ext uri="{BB962C8B-B14F-4D97-AF65-F5344CB8AC3E}">
+        <p14:creationId xmlns:p14="http://schemas.microsoft.com/office/powerpoint/2010/main" val="3423173735"/>
       </p:ext>
     </p:extLst>
   </p:cSld>
@@ -3886,6 +4133,1235 @@
     <p:extLst>
       <p:ext uri="{BB962C8B-B14F-4D97-AF65-F5344CB8AC3E}">
         <p14:creationId xmlns:p14="http://schemas.microsoft.com/office/powerpoint/2010/main" val="2859863287"/>
+      </p:ext>
+    </p:extLst>
+  </p:cSld>
+  <p:clrMapOvr>
+    <a:masterClrMapping/>
+  </p:clrMapOvr>
+</p:sld>
+</file>
+
+<file path=ppt/slides/slide10.xml><?xml version="1.0" encoding="utf-8"?>
+<p:sld xmlns:a="http://schemas.openxmlformats.org/drawingml/2006/main" xmlns:r="http://schemas.openxmlformats.org/officeDocument/2006/relationships" xmlns:p="http://schemas.openxmlformats.org/presentationml/2006/main">
+  <p:cSld>
+    <p:spTree>
+      <p:nvGrpSpPr>
+        <p:cNvPr id="1" name=""/>
+        <p:cNvGrpSpPr/>
+        <p:nvPr/>
+      </p:nvGrpSpPr>
+      <p:grpSpPr>
+        <a:xfrm>
+          <a:off x="0" y="0"/>
+          <a:ext cx="0" cy="0"/>
+          <a:chOff x="0" y="0"/>
+          <a:chExt cx="0" cy="0"/>
+        </a:xfrm>
+      </p:grpSpPr>
+    </p:spTree>
+    <p:extLst>
+      <p:ext uri="{BB962C8B-B14F-4D97-AF65-F5344CB8AC3E}">
+        <p14:creationId xmlns:p14="http://schemas.microsoft.com/office/powerpoint/2010/main" val="3145323867"/>
+      </p:ext>
+    </p:extLst>
+  </p:cSld>
+  <p:clrMapOvr>
+    <a:masterClrMapping/>
+  </p:clrMapOvr>
+</p:sld>
+</file>
+
+<file path=ppt/slides/slide11.xml><?xml version="1.0" encoding="utf-8"?>
+<p:sld xmlns:a="http://schemas.openxmlformats.org/drawingml/2006/main" xmlns:r="http://schemas.openxmlformats.org/officeDocument/2006/relationships" xmlns:p="http://schemas.openxmlformats.org/presentationml/2006/main">
+  <p:cSld>
+    <p:spTree>
+      <p:nvGrpSpPr>
+        <p:cNvPr id="1" name="">
+          <a:extLst>
+            <a:ext uri="{FF2B5EF4-FFF2-40B4-BE49-F238E27FC236}">
+              <a16:creationId xmlns:a16="http://schemas.microsoft.com/office/drawing/2014/main" id="{ADE15B10-6E1B-7689-29AF-CEC782AD10F8}"/>
+            </a:ext>
+          </a:extLst>
+        </p:cNvPr>
+        <p:cNvGrpSpPr/>
+        <p:nvPr/>
+      </p:nvGrpSpPr>
+      <p:grpSpPr>
+        <a:xfrm>
+          <a:off x="0" y="0"/>
+          <a:ext cx="0" cy="0"/>
+          <a:chOff x="0" y="0"/>
+          <a:chExt cx="0" cy="0"/>
+        </a:xfrm>
+      </p:grpSpPr>
+    </p:spTree>
+    <p:extLst>
+      <p:ext uri="{BB962C8B-B14F-4D97-AF65-F5344CB8AC3E}">
+        <p14:creationId xmlns:p14="http://schemas.microsoft.com/office/powerpoint/2010/main" val="1858734395"/>
+      </p:ext>
+    </p:extLst>
+  </p:cSld>
+  <p:clrMapOvr>
+    <a:masterClrMapping/>
+  </p:clrMapOvr>
+</p:sld>
+</file>
+
+<file path=ppt/slides/slide12.xml><?xml version="1.0" encoding="utf-8"?>
+<p:sld xmlns:a="http://schemas.openxmlformats.org/drawingml/2006/main" xmlns:r="http://schemas.openxmlformats.org/officeDocument/2006/relationships" xmlns:p="http://schemas.openxmlformats.org/presentationml/2006/main">
+  <p:cSld>
+    <p:spTree>
+      <p:nvGrpSpPr>
+        <p:cNvPr id="1" name="">
+          <a:extLst>
+            <a:ext uri="{FF2B5EF4-FFF2-40B4-BE49-F238E27FC236}">
+              <a16:creationId xmlns:a16="http://schemas.microsoft.com/office/drawing/2014/main" id="{DCDE930F-5ECB-62C8-BC4C-FE23B864849E}"/>
+            </a:ext>
+          </a:extLst>
+        </p:cNvPr>
+        <p:cNvGrpSpPr/>
+        <p:nvPr/>
+      </p:nvGrpSpPr>
+      <p:grpSpPr>
+        <a:xfrm>
+          <a:off x="0" y="0"/>
+          <a:ext cx="0" cy="0"/>
+          <a:chOff x="0" y="0"/>
+          <a:chExt cx="0" cy="0"/>
+        </a:xfrm>
+      </p:grpSpPr>
+    </p:spTree>
+    <p:extLst>
+      <p:ext uri="{BB962C8B-B14F-4D97-AF65-F5344CB8AC3E}">
+        <p14:creationId xmlns:p14="http://schemas.microsoft.com/office/powerpoint/2010/main" val="803328930"/>
+      </p:ext>
+    </p:extLst>
+  </p:cSld>
+  <p:clrMapOvr>
+    <a:masterClrMapping/>
+  </p:clrMapOvr>
+</p:sld>
+</file>
+
+<file path=ppt/slides/slide2.xml><?xml version="1.0" encoding="utf-8"?>
+<p:sld xmlns:a="http://schemas.openxmlformats.org/drawingml/2006/main" xmlns:r="http://schemas.openxmlformats.org/officeDocument/2006/relationships" xmlns:p="http://schemas.openxmlformats.org/presentationml/2006/main">
+  <p:cSld>
+    <p:spTree>
+      <p:nvGrpSpPr>
+        <p:cNvPr id="1" name=""/>
+        <p:cNvGrpSpPr/>
+        <p:nvPr/>
+      </p:nvGrpSpPr>
+      <p:grpSpPr>
+        <a:xfrm>
+          <a:off x="0" y="0"/>
+          <a:ext cx="0" cy="0"/>
+          <a:chOff x="0" y="0"/>
+          <a:chExt cx="0" cy="0"/>
+        </a:xfrm>
+      </p:grpSpPr>
+      <p:sp>
+        <p:nvSpPr>
+          <p:cNvPr id="2" name="TextBox 1">
+            <a:extLst>
+              <a:ext uri="{FF2B5EF4-FFF2-40B4-BE49-F238E27FC236}">
+                <a16:creationId xmlns:a16="http://schemas.microsoft.com/office/drawing/2014/main" id="{4F65F297-A02D-1636-5050-E8AF844B1CB9}"/>
+              </a:ext>
+            </a:extLst>
+          </p:cNvPr>
+          <p:cNvSpPr txBox="1"/>
+          <p:nvPr/>
+        </p:nvSpPr>
+        <p:spPr>
+          <a:xfrm>
+            <a:off x="383059" y="481914"/>
+            <a:ext cx="1317990" cy="523220"/>
+          </a:xfrm>
+          <a:prstGeom prst="rect">
+            <a:avLst/>
+          </a:prstGeom>
+          <a:noFill/>
+        </p:spPr>
+        <p:txBody>
+          <a:bodyPr wrap="none" rtlCol="0">
+            <a:spAutoFit/>
+          </a:bodyPr>
+          <a:lstStyle/>
+          <a:p>
+            <a:r>
+              <a:rPr lang="en-US" sz="2800"/>
+              <a:t>Context</a:t>
+            </a:r>
+          </a:p>
+        </p:txBody>
+      </p:sp>
+    </p:spTree>
+    <p:extLst>
+      <p:ext uri="{BB962C8B-B14F-4D97-AF65-F5344CB8AC3E}">
+        <p14:creationId xmlns:p14="http://schemas.microsoft.com/office/powerpoint/2010/main" val="3993801854"/>
+      </p:ext>
+    </p:extLst>
+  </p:cSld>
+  <p:clrMapOvr>
+    <a:masterClrMapping/>
+  </p:clrMapOvr>
+</p:sld>
+</file>
+
+<file path=ppt/slides/slide3.xml><?xml version="1.0" encoding="utf-8"?>
+<p:sld xmlns:a="http://schemas.openxmlformats.org/drawingml/2006/main" xmlns:r="http://schemas.openxmlformats.org/officeDocument/2006/relationships" xmlns:p="http://schemas.openxmlformats.org/presentationml/2006/main">
+  <p:cSld>
+    <p:spTree>
+      <p:nvGrpSpPr>
+        <p:cNvPr id="1" name=""/>
+        <p:cNvGrpSpPr/>
+        <p:nvPr/>
+      </p:nvGrpSpPr>
+      <p:grpSpPr>
+        <a:xfrm>
+          <a:off x="0" y="0"/>
+          <a:ext cx="0" cy="0"/>
+          <a:chOff x="0" y="0"/>
+          <a:chExt cx="0" cy="0"/>
+        </a:xfrm>
+      </p:grpSpPr>
+      <p:sp>
+        <p:nvSpPr>
+          <p:cNvPr id="2" name="TextBox 1">
+            <a:extLst>
+              <a:ext uri="{FF2B5EF4-FFF2-40B4-BE49-F238E27FC236}">
+                <a16:creationId xmlns:a16="http://schemas.microsoft.com/office/drawing/2014/main" id="{8D744D0F-8C87-AAA7-FA41-439215B97584}"/>
+              </a:ext>
+            </a:extLst>
+          </p:cNvPr>
+          <p:cNvSpPr txBox="1"/>
+          <p:nvPr/>
+        </p:nvSpPr>
+        <p:spPr>
+          <a:xfrm>
+            <a:off x="2520778" y="2879124"/>
+            <a:ext cx="5771132" cy="923330"/>
+          </a:xfrm>
+          <a:prstGeom prst="rect">
+            <a:avLst/>
+          </a:prstGeom>
+          <a:noFill/>
+        </p:spPr>
+        <p:txBody>
+          <a:bodyPr wrap="none" rtlCol="0">
+            <a:spAutoFit/>
+          </a:bodyPr>
+          <a:lstStyle/>
+          <a:p>
+            <a:r>
+              <a:rPr lang="en-US" b="1"/>
+              <a:t>Problem</a:t>
+            </a:r>
+            <a:r>
+              <a:rPr lang="en-US"/>
+              <a:t>: AI forgets all experienced that happened with you</a:t>
+            </a:r>
+          </a:p>
+          <a:p>
+            <a:endParaRPr lang="en-US"/>
+          </a:p>
+          <a:p>
+            <a:r>
+              <a:rPr lang="en-US"/>
+              <a:t>amnesia?</a:t>
+            </a:r>
+          </a:p>
+        </p:txBody>
+      </p:sp>
+    </p:spTree>
+    <p:extLst>
+      <p:ext uri="{BB962C8B-B14F-4D97-AF65-F5344CB8AC3E}">
+        <p14:creationId xmlns:p14="http://schemas.microsoft.com/office/powerpoint/2010/main" val="3596482279"/>
+      </p:ext>
+    </p:extLst>
+  </p:cSld>
+  <p:clrMapOvr>
+    <a:masterClrMapping/>
+  </p:clrMapOvr>
+</p:sld>
+</file>
+
+<file path=ppt/slides/slide4.xml><?xml version="1.0" encoding="utf-8"?>
+<p:sld xmlns:a="http://schemas.openxmlformats.org/drawingml/2006/main" xmlns:r="http://schemas.openxmlformats.org/officeDocument/2006/relationships" xmlns:p="http://schemas.openxmlformats.org/presentationml/2006/main">
+  <p:cSld>
+    <p:spTree>
+      <p:nvGrpSpPr>
+        <p:cNvPr id="1" name=""/>
+        <p:cNvGrpSpPr/>
+        <p:nvPr/>
+      </p:nvGrpSpPr>
+      <p:grpSpPr>
+        <a:xfrm>
+          <a:off x="0" y="0"/>
+          <a:ext cx="0" cy="0"/>
+          <a:chOff x="0" y="0"/>
+          <a:chExt cx="0" cy="0"/>
+        </a:xfrm>
+      </p:grpSpPr>
+      <p:sp>
+        <p:nvSpPr>
+          <p:cNvPr id="2" name="TextBox 1">
+            <a:extLst>
+              <a:ext uri="{FF2B5EF4-FFF2-40B4-BE49-F238E27FC236}">
+                <a16:creationId xmlns:a16="http://schemas.microsoft.com/office/drawing/2014/main" id="{C2016B66-EC90-0679-86C3-6AA834320612}"/>
+              </a:ext>
+            </a:extLst>
+          </p:cNvPr>
+          <p:cNvSpPr txBox="1"/>
+          <p:nvPr/>
+        </p:nvSpPr>
+        <p:spPr>
+          <a:xfrm>
+            <a:off x="4609070" y="3059668"/>
+            <a:ext cx="3109056" cy="923330"/>
+          </a:xfrm>
+          <a:prstGeom prst="rect">
+            <a:avLst/>
+          </a:prstGeom>
+          <a:noFill/>
+        </p:spPr>
+        <p:txBody>
+          <a:bodyPr wrap="none" rtlCol="0">
+            <a:spAutoFit/>
+          </a:bodyPr>
+          <a:lstStyle/>
+          <a:p>
+            <a:r>
+              <a:rPr lang="en-US" b="1"/>
+              <a:t>why</a:t>
+            </a:r>
+            <a:r>
+              <a:rPr lang="en-US"/>
+              <a:t>: AI does not have memory</a:t>
+            </a:r>
+          </a:p>
+          <a:p>
+            <a:endParaRPr lang="en-US"/>
+          </a:p>
+          <a:p>
+            <a:r>
+              <a:rPr lang="en-US"/>
+              <a:t>obstacle: cannot learn</a:t>
+            </a:r>
+          </a:p>
+        </p:txBody>
+      </p:sp>
+    </p:spTree>
+    <p:extLst>
+      <p:ext uri="{BB962C8B-B14F-4D97-AF65-F5344CB8AC3E}">
+        <p14:creationId xmlns:p14="http://schemas.microsoft.com/office/powerpoint/2010/main" val="3586467520"/>
+      </p:ext>
+    </p:extLst>
+  </p:cSld>
+  <p:clrMapOvr>
+    <a:masterClrMapping/>
+  </p:clrMapOvr>
+</p:sld>
+</file>
+
+<file path=ppt/slides/slide5.xml><?xml version="1.0" encoding="utf-8"?>
+<p:sld xmlns:a="http://schemas.openxmlformats.org/drawingml/2006/main" xmlns:r="http://schemas.openxmlformats.org/officeDocument/2006/relationships" xmlns:p="http://schemas.openxmlformats.org/presentationml/2006/main">
+  <p:cSld>
+    <p:spTree>
+      <p:nvGrpSpPr>
+        <p:cNvPr id="1" name=""/>
+        <p:cNvGrpSpPr/>
+        <p:nvPr/>
+      </p:nvGrpSpPr>
+      <p:grpSpPr>
+        <a:xfrm>
+          <a:off x="0" y="0"/>
+          <a:ext cx="0" cy="0"/>
+          <a:chOff x="0" y="0"/>
+          <a:chExt cx="0" cy="0"/>
+        </a:xfrm>
+      </p:grpSpPr>
+      <p:sp>
+        <p:nvSpPr>
+          <p:cNvPr id="3" name="Rectangle 2">
+            <a:extLst>
+              <a:ext uri="{FF2B5EF4-FFF2-40B4-BE49-F238E27FC236}">
+                <a16:creationId xmlns:a16="http://schemas.microsoft.com/office/drawing/2014/main" id="{6B02FF77-7A65-35E9-005A-E7F3B97D772A}"/>
+              </a:ext>
+            </a:extLst>
+          </p:cNvPr>
+          <p:cNvSpPr/>
+          <p:nvPr/>
+        </p:nvSpPr>
+        <p:spPr>
+          <a:xfrm>
+            <a:off x="8291383" y="667265"/>
+            <a:ext cx="1655805" cy="1173892"/>
+          </a:xfrm>
+          <a:prstGeom prst="rect">
+            <a:avLst/>
+          </a:prstGeom>
+        </p:spPr>
+        <p:style>
+          <a:lnRef idx="2">
+            <a:schemeClr val="accent1">
+              <a:shade val="15000"/>
+            </a:schemeClr>
+          </a:lnRef>
+          <a:fillRef idx="1">
+            <a:schemeClr val="accent1"/>
+          </a:fillRef>
+          <a:effectRef idx="0">
+            <a:schemeClr val="accent1"/>
+          </a:effectRef>
+          <a:fontRef idx="minor">
+            <a:schemeClr val="lt1"/>
+          </a:fontRef>
+        </p:style>
+        <p:txBody>
+          <a:bodyPr rtlCol="0" anchor="ctr"/>
+          <a:lstStyle/>
+          <a:p>
+            <a:pPr algn="ctr"/>
+            <a:r>
+              <a:rPr lang="en-US"/>
+              <a:t>Personalize knowledge</a:t>
+            </a:r>
+          </a:p>
+        </p:txBody>
+      </p:sp>
+      <p:sp>
+        <p:nvSpPr>
+          <p:cNvPr id="5" name="Rectangle 4">
+            <a:extLst>
+              <a:ext uri="{FF2B5EF4-FFF2-40B4-BE49-F238E27FC236}">
+                <a16:creationId xmlns:a16="http://schemas.microsoft.com/office/drawing/2014/main" id="{269F73FF-2807-F664-F70C-4D3A2B65C27A}"/>
+              </a:ext>
+            </a:extLst>
+          </p:cNvPr>
+          <p:cNvSpPr/>
+          <p:nvPr/>
+        </p:nvSpPr>
+        <p:spPr>
+          <a:xfrm>
+            <a:off x="4040659" y="2539313"/>
+            <a:ext cx="2261287" cy="3021227"/>
+          </a:xfrm>
+          <a:prstGeom prst="rect">
+            <a:avLst/>
+          </a:prstGeom>
+          <a:solidFill>
+            <a:schemeClr val="accent2"/>
+          </a:solidFill>
+        </p:spPr>
+        <p:style>
+          <a:lnRef idx="2">
+            <a:schemeClr val="accent1">
+              <a:shade val="15000"/>
+            </a:schemeClr>
+          </a:lnRef>
+          <a:fillRef idx="1">
+            <a:schemeClr val="accent1"/>
+          </a:fillRef>
+          <a:effectRef idx="0">
+            <a:schemeClr val="accent1"/>
+          </a:effectRef>
+          <a:fontRef idx="minor">
+            <a:schemeClr val="lt1"/>
+          </a:fontRef>
+        </p:style>
+        <p:txBody>
+          <a:bodyPr rtlCol="0" anchor="ctr"/>
+          <a:lstStyle/>
+          <a:p>
+            <a:pPr algn="ctr"/>
+            <a:r>
+              <a:rPr lang="en-US"/>
+              <a:t>context</a:t>
+            </a:r>
+          </a:p>
+        </p:txBody>
+      </p:sp>
+      <p:pic>
+        <p:nvPicPr>
+          <p:cNvPr id="1026" name="Picture 2" descr="AI Will Surpass Human Brains Once We Crack the 'Neural Code ...">
+            <a:extLst>
+              <a:ext uri="{FF2B5EF4-FFF2-40B4-BE49-F238E27FC236}">
+                <a16:creationId xmlns:a16="http://schemas.microsoft.com/office/drawing/2014/main" id="{3F88192C-DE11-C273-26FB-D1FF02C01CCA}"/>
+              </a:ext>
+            </a:extLst>
+          </p:cNvPr>
+          <p:cNvPicPr>
+            <a:picLocks noChangeAspect="1" noChangeArrowheads="1"/>
+          </p:cNvPicPr>
+          <p:nvPr/>
+        </p:nvPicPr>
+        <p:blipFill>
+          <a:blip r:embed="rId3">
+            <a:extLst>
+              <a:ext uri="{28A0092B-C50C-407E-A947-70E740481C1C}">
+                <a14:useLocalDpi xmlns:a14="http://schemas.microsoft.com/office/drawing/2010/main" val="0"/>
+              </a:ext>
+            </a:extLst>
+          </a:blip>
+          <a:srcRect/>
+          <a:stretch>
+            <a:fillRect/>
+          </a:stretch>
+        </p:blipFill>
+        <p:spPr bwMode="auto">
+          <a:xfrm>
+            <a:off x="620241" y="821896"/>
+            <a:ext cx="3106985" cy="2094299"/>
+          </a:xfrm>
+          <a:prstGeom prst="rect">
+            <a:avLst/>
+          </a:prstGeom>
+          <a:noFill/>
+          <a:extLst>
+            <a:ext uri="{909E8E84-426E-40DD-AFC4-6F175D3DCCD1}">
+              <a14:hiddenFill xmlns:a14="http://schemas.microsoft.com/office/drawing/2010/main">
+                <a:solidFill>
+                  <a:srgbClr val="FFFFFF"/>
+                </a:solidFill>
+              </a14:hiddenFill>
+            </a:ext>
+          </a:extLst>
+        </p:spPr>
+      </p:pic>
+      <p:sp>
+        <p:nvSpPr>
+          <p:cNvPr id="6" name="Rectangle 5">
+            <a:extLst>
+              <a:ext uri="{FF2B5EF4-FFF2-40B4-BE49-F238E27FC236}">
+                <a16:creationId xmlns:a16="http://schemas.microsoft.com/office/drawing/2014/main" id="{7F9CAB67-2F04-6BE3-C242-1456234903B2}"/>
+              </a:ext>
+            </a:extLst>
+          </p:cNvPr>
+          <p:cNvSpPr/>
+          <p:nvPr/>
+        </p:nvSpPr>
+        <p:spPr>
+          <a:xfrm>
+            <a:off x="10136658" y="1066800"/>
+            <a:ext cx="564293" cy="539578"/>
+          </a:xfrm>
+          <a:prstGeom prst="rect">
+            <a:avLst/>
+          </a:prstGeom>
+        </p:spPr>
+        <p:style>
+          <a:lnRef idx="2">
+            <a:schemeClr val="accent1">
+              <a:shade val="15000"/>
+            </a:schemeClr>
+          </a:lnRef>
+          <a:fillRef idx="1">
+            <a:schemeClr val="accent1"/>
+          </a:fillRef>
+          <a:effectRef idx="0">
+            <a:schemeClr val="accent1"/>
+          </a:effectRef>
+          <a:fontRef idx="minor">
+            <a:schemeClr val="lt1"/>
+          </a:fontRef>
+        </p:style>
+        <p:txBody>
+          <a:bodyPr rtlCol="0" anchor="ctr"/>
+          <a:lstStyle/>
+          <a:p>
+            <a:pPr algn="ctr"/>
+            <a:r>
+              <a:rPr lang="en-US"/>
+              <a:t>a</a:t>
+            </a:r>
+          </a:p>
+        </p:txBody>
+      </p:sp>
+      <p:sp>
+        <p:nvSpPr>
+          <p:cNvPr id="7" name="Rectangle 6">
+            <a:extLst>
+              <a:ext uri="{FF2B5EF4-FFF2-40B4-BE49-F238E27FC236}">
+                <a16:creationId xmlns:a16="http://schemas.microsoft.com/office/drawing/2014/main" id="{FBC8FD0C-13B0-175F-F835-78AD600FFC83}"/>
+              </a:ext>
+            </a:extLst>
+          </p:cNvPr>
+          <p:cNvSpPr/>
+          <p:nvPr/>
+        </p:nvSpPr>
+        <p:spPr>
+          <a:xfrm>
+            <a:off x="9524996" y="2088292"/>
+            <a:ext cx="564293" cy="539578"/>
+          </a:xfrm>
+          <a:prstGeom prst="rect">
+            <a:avLst/>
+          </a:prstGeom>
+        </p:spPr>
+        <p:style>
+          <a:lnRef idx="2">
+            <a:schemeClr val="accent1">
+              <a:shade val="15000"/>
+            </a:schemeClr>
+          </a:lnRef>
+          <a:fillRef idx="1">
+            <a:schemeClr val="accent1"/>
+          </a:fillRef>
+          <a:effectRef idx="0">
+            <a:schemeClr val="accent1"/>
+          </a:effectRef>
+          <a:fontRef idx="minor">
+            <a:schemeClr val="lt1"/>
+          </a:fontRef>
+        </p:style>
+        <p:txBody>
+          <a:bodyPr rtlCol="0" anchor="ctr"/>
+          <a:lstStyle/>
+          <a:p>
+            <a:pPr algn="ctr"/>
+            <a:r>
+              <a:rPr lang="en-US"/>
+              <a:t>a</a:t>
+            </a:r>
+          </a:p>
+        </p:txBody>
+      </p:sp>
+      <p:sp>
+        <p:nvSpPr>
+          <p:cNvPr id="8" name="Rectangle 7">
+            <a:extLst>
+              <a:ext uri="{FF2B5EF4-FFF2-40B4-BE49-F238E27FC236}">
+                <a16:creationId xmlns:a16="http://schemas.microsoft.com/office/drawing/2014/main" id="{262612DF-DDB6-D8A8-3D22-05B5B90412D1}"/>
+              </a:ext>
+            </a:extLst>
+          </p:cNvPr>
+          <p:cNvSpPr/>
+          <p:nvPr/>
+        </p:nvSpPr>
+        <p:spPr>
+          <a:xfrm>
+            <a:off x="10447636" y="2088292"/>
+            <a:ext cx="564293" cy="539578"/>
+          </a:xfrm>
+          <a:prstGeom prst="rect">
+            <a:avLst/>
+          </a:prstGeom>
+        </p:spPr>
+        <p:style>
+          <a:lnRef idx="2">
+            <a:schemeClr val="accent1">
+              <a:shade val="15000"/>
+            </a:schemeClr>
+          </a:lnRef>
+          <a:fillRef idx="1">
+            <a:schemeClr val="accent1"/>
+          </a:fillRef>
+          <a:effectRef idx="0">
+            <a:schemeClr val="accent1"/>
+          </a:effectRef>
+          <a:fontRef idx="minor">
+            <a:schemeClr val="lt1"/>
+          </a:fontRef>
+        </p:style>
+        <p:txBody>
+          <a:bodyPr rtlCol="0" anchor="ctr"/>
+          <a:lstStyle/>
+          <a:p>
+            <a:pPr algn="ctr"/>
+            <a:r>
+              <a:rPr lang="en-US"/>
+              <a:t>a</a:t>
+            </a:r>
+          </a:p>
+        </p:txBody>
+      </p:sp>
+    </p:spTree>
+    <p:extLst>
+      <p:ext uri="{BB962C8B-B14F-4D97-AF65-F5344CB8AC3E}">
+        <p14:creationId xmlns:p14="http://schemas.microsoft.com/office/powerpoint/2010/main" val="431358198"/>
+      </p:ext>
+    </p:extLst>
+  </p:cSld>
+  <p:clrMapOvr>
+    <a:masterClrMapping/>
+  </p:clrMapOvr>
+</p:sld>
+</file>
+
+<file path=ppt/slides/slide6.xml><?xml version="1.0" encoding="utf-8"?>
+<p:sld xmlns:a="http://schemas.openxmlformats.org/drawingml/2006/main" xmlns:r="http://schemas.openxmlformats.org/officeDocument/2006/relationships" xmlns:p="http://schemas.openxmlformats.org/presentationml/2006/main">
+  <p:cSld>
+    <p:spTree>
+      <p:nvGrpSpPr>
+        <p:cNvPr id="1" name="">
+          <a:extLst>
+            <a:ext uri="{FF2B5EF4-FFF2-40B4-BE49-F238E27FC236}">
+              <a16:creationId xmlns:a16="http://schemas.microsoft.com/office/drawing/2014/main" id="{9287AEA7-2F3D-FF2F-D8E0-BA2F981A444F}"/>
+            </a:ext>
+          </a:extLst>
+        </p:cNvPr>
+        <p:cNvGrpSpPr/>
+        <p:nvPr/>
+      </p:nvGrpSpPr>
+      <p:grpSpPr>
+        <a:xfrm>
+          <a:off x="0" y="0"/>
+          <a:ext cx="0" cy="0"/>
+          <a:chOff x="0" y="0"/>
+          <a:chExt cx="0" cy="0"/>
+        </a:xfrm>
+      </p:grpSpPr>
+      <p:sp>
+        <p:nvSpPr>
+          <p:cNvPr id="3" name="Rectangle 2">
+            <a:extLst>
+              <a:ext uri="{FF2B5EF4-FFF2-40B4-BE49-F238E27FC236}">
+                <a16:creationId xmlns:a16="http://schemas.microsoft.com/office/drawing/2014/main" id="{D3E5B571-0467-014E-4C12-29ED1C3A8679}"/>
+              </a:ext>
+            </a:extLst>
+          </p:cNvPr>
+          <p:cNvSpPr/>
+          <p:nvPr/>
+        </p:nvSpPr>
+        <p:spPr>
+          <a:xfrm>
+            <a:off x="8291383" y="667265"/>
+            <a:ext cx="1655805" cy="1173892"/>
+          </a:xfrm>
+          <a:prstGeom prst="rect">
+            <a:avLst/>
+          </a:prstGeom>
+        </p:spPr>
+        <p:style>
+          <a:lnRef idx="2">
+            <a:schemeClr val="accent1">
+              <a:shade val="15000"/>
+            </a:schemeClr>
+          </a:lnRef>
+          <a:fillRef idx="1">
+            <a:schemeClr val="accent1"/>
+          </a:fillRef>
+          <a:effectRef idx="0">
+            <a:schemeClr val="accent1"/>
+          </a:effectRef>
+          <a:fontRef idx="minor">
+            <a:schemeClr val="lt1"/>
+          </a:fontRef>
+        </p:style>
+        <p:txBody>
+          <a:bodyPr rtlCol="0" anchor="ctr"/>
+          <a:lstStyle/>
+          <a:p>
+            <a:pPr algn="ctr"/>
+            <a:r>
+              <a:rPr lang="en-US"/>
+              <a:t>Personalize knowledge</a:t>
+            </a:r>
+          </a:p>
+        </p:txBody>
+      </p:sp>
+      <p:sp>
+        <p:nvSpPr>
+          <p:cNvPr id="5" name="Rectangle 4">
+            <a:extLst>
+              <a:ext uri="{FF2B5EF4-FFF2-40B4-BE49-F238E27FC236}">
+                <a16:creationId xmlns:a16="http://schemas.microsoft.com/office/drawing/2014/main" id="{43A66255-3714-C855-CAA9-64F41E05F008}"/>
+              </a:ext>
+            </a:extLst>
+          </p:cNvPr>
+          <p:cNvSpPr/>
+          <p:nvPr/>
+        </p:nvSpPr>
+        <p:spPr>
+          <a:xfrm>
+            <a:off x="4040659" y="2539313"/>
+            <a:ext cx="2261287" cy="3021227"/>
+          </a:xfrm>
+          <a:prstGeom prst="rect">
+            <a:avLst/>
+          </a:prstGeom>
+          <a:solidFill>
+            <a:schemeClr val="accent2"/>
+          </a:solidFill>
+        </p:spPr>
+        <p:style>
+          <a:lnRef idx="2">
+            <a:schemeClr val="accent1">
+              <a:shade val="15000"/>
+            </a:schemeClr>
+          </a:lnRef>
+          <a:fillRef idx="1">
+            <a:schemeClr val="accent1"/>
+          </a:fillRef>
+          <a:effectRef idx="0">
+            <a:schemeClr val="accent1"/>
+          </a:effectRef>
+          <a:fontRef idx="minor">
+            <a:schemeClr val="lt1"/>
+          </a:fontRef>
+        </p:style>
+        <p:txBody>
+          <a:bodyPr rtlCol="0" anchor="ctr"/>
+          <a:lstStyle/>
+          <a:p>
+            <a:pPr algn="ctr"/>
+            <a:r>
+              <a:rPr lang="en-US"/>
+              <a:t>context</a:t>
+            </a:r>
+          </a:p>
+        </p:txBody>
+      </p:sp>
+      <p:pic>
+        <p:nvPicPr>
+          <p:cNvPr id="1026" name="Picture 2" descr="AI Will Surpass Human Brains Once We Crack the 'Neural Code ...">
+            <a:extLst>
+              <a:ext uri="{FF2B5EF4-FFF2-40B4-BE49-F238E27FC236}">
+                <a16:creationId xmlns:a16="http://schemas.microsoft.com/office/drawing/2014/main" id="{018ED0D2-11A2-C9CD-D575-6563731D1B52}"/>
+              </a:ext>
+            </a:extLst>
+          </p:cNvPr>
+          <p:cNvPicPr>
+            <a:picLocks noChangeAspect="1" noChangeArrowheads="1"/>
+          </p:cNvPicPr>
+          <p:nvPr/>
+        </p:nvPicPr>
+        <p:blipFill>
+          <a:blip r:embed="rId3">
+            <a:extLst>
+              <a:ext uri="{28A0092B-C50C-407E-A947-70E740481C1C}">
+                <a14:useLocalDpi xmlns:a14="http://schemas.microsoft.com/office/drawing/2010/main" val="0"/>
+              </a:ext>
+            </a:extLst>
+          </a:blip>
+          <a:srcRect/>
+          <a:stretch>
+            <a:fillRect/>
+          </a:stretch>
+        </p:blipFill>
+        <p:spPr bwMode="auto">
+          <a:xfrm>
+            <a:off x="620241" y="821896"/>
+            <a:ext cx="3106985" cy="2094299"/>
+          </a:xfrm>
+          <a:prstGeom prst="rect">
+            <a:avLst/>
+          </a:prstGeom>
+          <a:noFill/>
+          <a:extLst>
+            <a:ext uri="{909E8E84-426E-40DD-AFC4-6F175D3DCCD1}">
+              <a14:hiddenFill xmlns:a14="http://schemas.microsoft.com/office/drawing/2010/main">
+                <a:solidFill>
+                  <a:srgbClr val="FFFFFF"/>
+                </a:solidFill>
+              </a14:hiddenFill>
+            </a:ext>
+          </a:extLst>
+        </p:spPr>
+      </p:pic>
+      <p:sp>
+        <p:nvSpPr>
+          <p:cNvPr id="6" name="Rectangle 5">
+            <a:extLst>
+              <a:ext uri="{FF2B5EF4-FFF2-40B4-BE49-F238E27FC236}">
+                <a16:creationId xmlns:a16="http://schemas.microsoft.com/office/drawing/2014/main" id="{2E3D8C77-4BCC-087A-0014-95F3EB353604}"/>
+              </a:ext>
+            </a:extLst>
+          </p:cNvPr>
+          <p:cNvSpPr/>
+          <p:nvPr/>
+        </p:nvSpPr>
+        <p:spPr>
+          <a:xfrm>
+            <a:off x="10136658" y="1066800"/>
+            <a:ext cx="564293" cy="539578"/>
+          </a:xfrm>
+          <a:prstGeom prst="rect">
+            <a:avLst/>
+          </a:prstGeom>
+        </p:spPr>
+        <p:style>
+          <a:lnRef idx="2">
+            <a:schemeClr val="accent1">
+              <a:shade val="15000"/>
+            </a:schemeClr>
+          </a:lnRef>
+          <a:fillRef idx="1">
+            <a:schemeClr val="accent1"/>
+          </a:fillRef>
+          <a:effectRef idx="0">
+            <a:schemeClr val="accent1"/>
+          </a:effectRef>
+          <a:fontRef idx="minor">
+            <a:schemeClr val="lt1"/>
+          </a:fontRef>
+        </p:style>
+        <p:txBody>
+          <a:bodyPr rtlCol="0" anchor="ctr"/>
+          <a:lstStyle/>
+          <a:p>
+            <a:pPr algn="ctr"/>
+            <a:r>
+              <a:rPr lang="en-US"/>
+              <a:t>a</a:t>
+            </a:r>
+          </a:p>
+        </p:txBody>
+      </p:sp>
+      <p:sp>
+        <p:nvSpPr>
+          <p:cNvPr id="7" name="Rectangle 6">
+            <a:extLst>
+              <a:ext uri="{FF2B5EF4-FFF2-40B4-BE49-F238E27FC236}">
+                <a16:creationId xmlns:a16="http://schemas.microsoft.com/office/drawing/2014/main" id="{DCB9C72A-F82F-77BA-023C-CC494FD3295A}"/>
+              </a:ext>
+            </a:extLst>
+          </p:cNvPr>
+          <p:cNvSpPr/>
+          <p:nvPr/>
+        </p:nvSpPr>
+        <p:spPr>
+          <a:xfrm>
+            <a:off x="4248661" y="2945027"/>
+            <a:ext cx="564293" cy="539578"/>
+          </a:xfrm>
+          <a:prstGeom prst="rect">
+            <a:avLst/>
+          </a:prstGeom>
+        </p:spPr>
+        <p:style>
+          <a:lnRef idx="2">
+            <a:schemeClr val="accent1">
+              <a:shade val="15000"/>
+            </a:schemeClr>
+          </a:lnRef>
+          <a:fillRef idx="1">
+            <a:schemeClr val="accent1"/>
+          </a:fillRef>
+          <a:effectRef idx="0">
+            <a:schemeClr val="accent1"/>
+          </a:effectRef>
+          <a:fontRef idx="minor">
+            <a:schemeClr val="lt1"/>
+          </a:fontRef>
+        </p:style>
+        <p:txBody>
+          <a:bodyPr rtlCol="0" anchor="ctr"/>
+          <a:lstStyle/>
+          <a:p>
+            <a:pPr algn="ctr"/>
+            <a:r>
+              <a:rPr lang="en-US"/>
+              <a:t>a</a:t>
+            </a:r>
+          </a:p>
+        </p:txBody>
+      </p:sp>
+      <p:sp>
+        <p:nvSpPr>
+          <p:cNvPr id="8" name="Rectangle 7">
+            <a:extLst>
+              <a:ext uri="{FF2B5EF4-FFF2-40B4-BE49-F238E27FC236}">
+                <a16:creationId xmlns:a16="http://schemas.microsoft.com/office/drawing/2014/main" id="{953A7972-D39C-1F3D-09E6-BE33E1FD213C}"/>
+              </a:ext>
+            </a:extLst>
+          </p:cNvPr>
+          <p:cNvSpPr/>
+          <p:nvPr/>
+        </p:nvSpPr>
+        <p:spPr>
+          <a:xfrm>
+            <a:off x="5275303" y="2755556"/>
+            <a:ext cx="564293" cy="539578"/>
+          </a:xfrm>
+          <a:prstGeom prst="rect">
+            <a:avLst/>
+          </a:prstGeom>
+        </p:spPr>
+        <p:style>
+          <a:lnRef idx="2">
+            <a:schemeClr val="accent1">
+              <a:shade val="15000"/>
+            </a:schemeClr>
+          </a:lnRef>
+          <a:fillRef idx="1">
+            <a:schemeClr val="accent1"/>
+          </a:fillRef>
+          <a:effectRef idx="0">
+            <a:schemeClr val="accent1"/>
+          </a:effectRef>
+          <a:fontRef idx="minor">
+            <a:schemeClr val="lt1"/>
+          </a:fontRef>
+        </p:style>
+        <p:txBody>
+          <a:bodyPr rtlCol="0" anchor="ctr"/>
+          <a:lstStyle/>
+          <a:p>
+            <a:pPr algn="ctr"/>
+            <a:r>
+              <a:rPr lang="en-US"/>
+              <a:t>a</a:t>
+            </a:r>
+          </a:p>
+        </p:txBody>
+      </p:sp>
+      <p:sp>
+        <p:nvSpPr>
+          <p:cNvPr id="2" name="TextBox 1">
+            <a:extLst>
+              <a:ext uri="{FF2B5EF4-FFF2-40B4-BE49-F238E27FC236}">
+                <a16:creationId xmlns:a16="http://schemas.microsoft.com/office/drawing/2014/main" id="{A16DFE44-C60F-7D51-1C97-D164EB308180}"/>
+              </a:ext>
+            </a:extLst>
+          </p:cNvPr>
+          <p:cNvSpPr txBox="1"/>
+          <p:nvPr/>
+        </p:nvSpPr>
+        <p:spPr>
+          <a:xfrm>
+            <a:off x="1075038" y="4831492"/>
+            <a:ext cx="2735044" cy="369332"/>
+          </a:xfrm>
+          <a:prstGeom prst="rect">
+            <a:avLst/>
+          </a:prstGeom>
+          <a:noFill/>
+        </p:spPr>
+        <p:txBody>
+          <a:bodyPr wrap="none" rtlCol="0">
+            <a:spAutoFit/>
+          </a:bodyPr>
+          <a:lstStyle/>
+          <a:p>
+            <a:r>
+              <a:rPr lang="en-US"/>
+              <a:t>	Customized brain</a:t>
+            </a:r>
+          </a:p>
+        </p:txBody>
+      </p:sp>
+    </p:spTree>
+    <p:extLst>
+      <p:ext uri="{BB962C8B-B14F-4D97-AF65-F5344CB8AC3E}">
+        <p14:creationId xmlns:p14="http://schemas.microsoft.com/office/powerpoint/2010/main" val="2944273601"/>
+      </p:ext>
+    </p:extLst>
+  </p:cSld>
+  <p:clrMapOvr>
+    <a:masterClrMapping/>
+  </p:clrMapOvr>
+</p:sld>
+</file>
+
+<file path=ppt/slides/slide7.xml><?xml version="1.0" encoding="utf-8"?>
+<p:sld xmlns:a="http://schemas.openxmlformats.org/drawingml/2006/main" xmlns:r="http://schemas.openxmlformats.org/officeDocument/2006/relationships" xmlns:p="http://schemas.openxmlformats.org/presentationml/2006/main">
+  <p:cSld>
+    <p:spTree>
+      <p:nvGrpSpPr>
+        <p:cNvPr id="1" name=""/>
+        <p:cNvGrpSpPr/>
+        <p:nvPr/>
+      </p:nvGrpSpPr>
+      <p:grpSpPr>
+        <a:xfrm>
+          <a:off x="0" y="0"/>
+          <a:ext cx="0" cy="0"/>
+          <a:chOff x="0" y="0"/>
+          <a:chExt cx="0" cy="0"/>
+        </a:xfrm>
+      </p:grpSpPr>
+      <p:sp>
+        <p:nvSpPr>
+          <p:cNvPr id="2" name="TextBox 1">
+            <a:extLst>
+              <a:ext uri="{FF2B5EF4-FFF2-40B4-BE49-F238E27FC236}">
+                <a16:creationId xmlns:a16="http://schemas.microsoft.com/office/drawing/2014/main" id="{5F636D17-FC34-D16E-1594-112F687BC23D}"/>
+              </a:ext>
+            </a:extLst>
+          </p:cNvPr>
+          <p:cNvSpPr txBox="1"/>
+          <p:nvPr/>
+        </p:nvSpPr>
+        <p:spPr>
+          <a:xfrm>
+            <a:off x="2804984" y="3027405"/>
+            <a:ext cx="962123" cy="369332"/>
+          </a:xfrm>
+          <a:prstGeom prst="rect">
+            <a:avLst/>
+          </a:prstGeom>
+          <a:noFill/>
+        </p:spPr>
+        <p:txBody>
+          <a:bodyPr wrap="none" rtlCol="0">
+            <a:spAutoFit/>
+          </a:bodyPr>
+          <a:lstStyle/>
+          <a:p>
+            <a:r>
+              <a:rPr lang="en-US"/>
+              <a:t>Patterns</a:t>
+            </a:r>
+          </a:p>
+        </p:txBody>
+      </p:sp>
+      <p:pic>
+        <p:nvPicPr>
+          <p:cNvPr id="4" name="Picture 3" descr="A green circle with black text and a number&#10;&#10;AI-generated content may be incorrect.">
+            <a:extLst>
+              <a:ext uri="{FF2B5EF4-FFF2-40B4-BE49-F238E27FC236}">
+                <a16:creationId xmlns:a16="http://schemas.microsoft.com/office/drawing/2014/main" id="{97563A7C-3F7A-336E-9DB1-B63F35EED4E7}"/>
+              </a:ext>
+            </a:extLst>
+          </p:cNvPr>
+          <p:cNvPicPr>
+            <a:picLocks noChangeAspect="1"/>
+          </p:cNvPicPr>
+          <p:nvPr/>
+        </p:nvPicPr>
+        <p:blipFill>
+          <a:blip r:embed="rId2"/>
+          <a:stretch>
+            <a:fillRect/>
+          </a:stretch>
+        </p:blipFill>
+        <p:spPr>
+          <a:xfrm>
+            <a:off x="6096000" y="879044"/>
+            <a:ext cx="1219200" cy="1270000"/>
+          </a:xfrm>
+          <a:prstGeom prst="rect">
+            <a:avLst/>
+          </a:prstGeom>
+        </p:spPr>
+      </p:pic>
+      <p:pic>
+        <p:nvPicPr>
+          <p:cNvPr id="6" name="Picture 5" descr="A green circle with black text and a number&#10;&#10;AI-generated content may be incorrect.">
+            <a:extLst>
+              <a:ext uri="{FF2B5EF4-FFF2-40B4-BE49-F238E27FC236}">
+                <a16:creationId xmlns:a16="http://schemas.microsoft.com/office/drawing/2014/main" id="{9829E802-C516-968B-1066-713530D903E0}"/>
+              </a:ext>
+            </a:extLst>
+          </p:cNvPr>
+          <p:cNvPicPr>
+            <a:picLocks noChangeAspect="1"/>
+          </p:cNvPicPr>
+          <p:nvPr/>
+        </p:nvPicPr>
+        <p:blipFill>
+          <a:blip r:embed="rId3"/>
+          <a:stretch>
+            <a:fillRect/>
+          </a:stretch>
+        </p:blipFill>
+        <p:spPr>
+          <a:xfrm>
+            <a:off x="6083300" y="2411455"/>
+            <a:ext cx="1231900" cy="1231900"/>
+          </a:xfrm>
+          <a:prstGeom prst="rect">
+            <a:avLst/>
+          </a:prstGeom>
+        </p:spPr>
+      </p:pic>
+      <p:pic>
+        <p:nvPicPr>
+          <p:cNvPr id="8" name="Picture 7" descr="A close-up of a white board&#10;&#10;AI-generated content may be incorrect.">
+            <a:extLst>
+              <a:ext uri="{FF2B5EF4-FFF2-40B4-BE49-F238E27FC236}">
+                <a16:creationId xmlns:a16="http://schemas.microsoft.com/office/drawing/2014/main" id="{B0C7EC83-EA34-382F-345D-C924CF9D10F9}"/>
+              </a:ext>
+            </a:extLst>
+          </p:cNvPr>
+          <p:cNvPicPr>
+            <a:picLocks noChangeAspect="1"/>
+          </p:cNvPicPr>
+          <p:nvPr/>
+        </p:nvPicPr>
+        <p:blipFill>
+          <a:blip r:embed="rId4"/>
+          <a:stretch>
+            <a:fillRect/>
+          </a:stretch>
+        </p:blipFill>
+        <p:spPr>
+          <a:xfrm>
+            <a:off x="6082099" y="3905766"/>
+            <a:ext cx="1168400" cy="1117600"/>
+          </a:xfrm>
+          <a:prstGeom prst="rect">
+            <a:avLst/>
+          </a:prstGeom>
+        </p:spPr>
+      </p:pic>
+    </p:spTree>
+    <p:extLst>
+      <p:ext uri="{BB962C8B-B14F-4D97-AF65-F5344CB8AC3E}">
+        <p14:creationId xmlns:p14="http://schemas.microsoft.com/office/powerpoint/2010/main" val="730239238"/>
+      </p:ext>
+    </p:extLst>
+  </p:cSld>
+  <p:clrMapOvr>
+    <a:masterClrMapping/>
+  </p:clrMapOvr>
+</p:sld>
+</file>
+
+<file path=ppt/slides/slide8.xml><?xml version="1.0" encoding="utf-8"?>
+<p:sld xmlns:a="http://schemas.openxmlformats.org/drawingml/2006/main" xmlns:r="http://schemas.openxmlformats.org/officeDocument/2006/relationships" xmlns:p="http://schemas.openxmlformats.org/presentationml/2006/main">
+  <p:cSld>
+    <p:spTree>
+      <p:nvGrpSpPr>
+        <p:cNvPr id="1" name=""/>
+        <p:cNvGrpSpPr/>
+        <p:nvPr/>
+      </p:nvGrpSpPr>
+      <p:grpSpPr>
+        <a:xfrm>
+          <a:off x="0" y="0"/>
+          <a:ext cx="0" cy="0"/>
+          <a:chOff x="0" y="0"/>
+          <a:chExt cx="0" cy="0"/>
+        </a:xfrm>
+      </p:grpSpPr>
+    </p:spTree>
+    <p:extLst>
+      <p:ext uri="{BB962C8B-B14F-4D97-AF65-F5344CB8AC3E}">
+        <p14:creationId xmlns:p14="http://schemas.microsoft.com/office/powerpoint/2010/main" val="548984768"/>
+      </p:ext>
+    </p:extLst>
+  </p:cSld>
+  <p:clrMapOvr>
+    <a:masterClrMapping/>
+  </p:clrMapOvr>
+</p:sld>
+</file>
+
+<file path=ppt/slides/slide9.xml><?xml version="1.0" encoding="utf-8"?>
+<p:sld xmlns:a="http://schemas.openxmlformats.org/drawingml/2006/main" xmlns:r="http://schemas.openxmlformats.org/officeDocument/2006/relationships" xmlns:p="http://schemas.openxmlformats.org/presentationml/2006/main">
+  <p:cSld>
+    <p:spTree>
+      <p:nvGrpSpPr>
+        <p:cNvPr id="1" name=""/>
+        <p:cNvGrpSpPr/>
+        <p:nvPr/>
+      </p:nvGrpSpPr>
+      <p:grpSpPr>
+        <a:xfrm>
+          <a:off x="0" y="0"/>
+          <a:ext cx="0" cy="0"/>
+          <a:chOff x="0" y="0"/>
+          <a:chExt cx="0" cy="0"/>
+        </a:xfrm>
+      </p:grpSpPr>
+    </p:spTree>
+    <p:extLst>
+      <p:ext uri="{BB962C8B-B14F-4D97-AF65-F5344CB8AC3E}">
+        <p14:creationId xmlns:p14="http://schemas.microsoft.com/office/powerpoint/2010/main" val="2544002835"/>
       </p:ext>
     </p:extLst>
   </p:cSld>

--- a/Slides/Core Patterns for Coding with AI.pptx
+++ b/Slides/Core Patterns for Coding with AI.pptx
@@ -5,7 +5,7 @@
     <p:sldMasterId id="2147483648" r:id="rId1"/>
   </p:sldMasterIdLst>
   <p:notesMasterIdLst>
-    <p:notesMasterId r:id="rId37"/>
+    <p:notesMasterId r:id="rId38"/>
   </p:notesMasterIdLst>
   <p:sldIdLst>
     <p:sldId id="406" r:id="rId2"/>
@@ -28,21 +28,22 @@
     <p:sldId id="415" r:id="rId19"/>
     <p:sldId id="416" r:id="rId20"/>
     <p:sldId id="417" r:id="rId21"/>
-    <p:sldId id="423" r:id="rId22"/>
-    <p:sldId id="431" r:id="rId23"/>
-    <p:sldId id="432" r:id="rId24"/>
-    <p:sldId id="433" r:id="rId25"/>
-    <p:sldId id="434" r:id="rId26"/>
-    <p:sldId id="435" r:id="rId27"/>
-    <p:sldId id="436" r:id="rId28"/>
-    <p:sldId id="437" r:id="rId29"/>
-    <p:sldId id="438" r:id="rId30"/>
-    <p:sldId id="439" r:id="rId31"/>
-    <p:sldId id="440" r:id="rId32"/>
-    <p:sldId id="441" r:id="rId33"/>
-    <p:sldId id="442" r:id="rId34"/>
-    <p:sldId id="443" r:id="rId35"/>
-    <p:sldId id="444" r:id="rId36"/>
+    <p:sldId id="666" r:id="rId22"/>
+    <p:sldId id="423" r:id="rId23"/>
+    <p:sldId id="431" r:id="rId24"/>
+    <p:sldId id="432" r:id="rId25"/>
+    <p:sldId id="433" r:id="rId26"/>
+    <p:sldId id="434" r:id="rId27"/>
+    <p:sldId id="435" r:id="rId28"/>
+    <p:sldId id="436" r:id="rId29"/>
+    <p:sldId id="437" r:id="rId30"/>
+    <p:sldId id="438" r:id="rId31"/>
+    <p:sldId id="439" r:id="rId32"/>
+    <p:sldId id="440" r:id="rId33"/>
+    <p:sldId id="441" r:id="rId34"/>
+    <p:sldId id="442" r:id="rId35"/>
+    <p:sldId id="443" r:id="rId36"/>
+    <p:sldId id="444" r:id="rId37"/>
   </p:sldIdLst>
   <p:sldSz cx="12192000" cy="6858000"/>
   <p:notesSz cx="6858000" cy="9144000"/>
@@ -194,6 +195,7 @@
         </p14:section>
         <p14:section name="Drafts" id="{C06076C2-4920-1D4C-81D2-A050883B17C5}">
           <p14:sldIdLst>
+            <p14:sldId id="666"/>
             <p14:sldId id="423"/>
             <p14:sldId id="431"/>
             <p14:sldId id="432"/>
@@ -783,7 +785,7 @@
           <a:p>
             <a:fld id="{FC5BBC2B-72B0-2542-8213-717906F3F32B}" type="slidenum">
               <a:rPr lang="en-US" smtClean="0"/>
-              <a:t>34</a:t>
+              <a:t>35</a:t>
             </a:fld>
             <a:endParaRPr lang="en-US"/>
           </a:p>
@@ -891,7 +893,7 @@
           <a:p>
             <a:fld id="{FC5BBC2B-72B0-2542-8213-717906F3F32B}" type="slidenum">
               <a:rPr lang="en-US" smtClean="0"/>
-              <a:t>35</a:t>
+              <a:t>36</a:t>
             </a:fld>
             <a:endParaRPr lang="en-US"/>
           </a:p>
@@ -1755,7 +1757,7 @@
           <a:p>
             <a:fld id="{FC5BBC2B-72B0-2542-8213-717906F3F32B}" type="slidenum">
               <a:rPr lang="en-US" smtClean="0"/>
-              <a:t>33</a:t>
+              <a:t>34</a:t>
             </a:fld>
             <a:endParaRPr lang="en-US"/>
           </a:p>
@@ -5134,10 +5136,10 @@
       </p:sp>
       <p:sp>
         <p:nvSpPr>
-          <p:cNvPr id="5" name="TextBox 4">
-            <a:extLst>
-              <a:ext uri="{FF2B5EF4-FFF2-40B4-BE49-F238E27FC236}">
-                <a16:creationId xmlns:a16="http://schemas.microsoft.com/office/drawing/2014/main" id="{BA1772CF-480E-5605-6548-3A1B55D21D00}"/>
+          <p:cNvPr id="6" name="TextBox 5">
+            <a:extLst>
+              <a:ext uri="{FF2B5EF4-FFF2-40B4-BE49-F238E27FC236}">
+                <a16:creationId xmlns:a16="http://schemas.microsoft.com/office/drawing/2014/main" id="{4C769C1B-CD0B-B8F3-3CAE-BB84FE5F27A9}"/>
               </a:ext>
             </a:extLst>
           </p:cNvPr>
@@ -5146,42 +5148,7 @@
         </p:nvSpPr>
         <p:spPr>
           <a:xfrm>
-            <a:off x="4505404" y="3198167"/>
-            <a:ext cx="3181192" cy="461665"/>
-          </a:xfrm>
-          <a:prstGeom prst="rect">
-            <a:avLst/>
-          </a:prstGeom>
-          <a:noFill/>
-        </p:spPr>
-        <p:txBody>
-          <a:bodyPr wrap="none" rtlCol="0">
-            <a:spAutoFit/>
-          </a:bodyPr>
-          <a:lstStyle/>
-          <a:p>
-            <a:r>
-              <a:rPr lang="en-US" sz="2400"/>
-              <a:t>Limited context window</a:t>
-            </a:r>
-          </a:p>
-        </p:txBody>
-      </p:sp>
-      <p:sp>
-        <p:nvSpPr>
-          <p:cNvPr id="6" name="TextBox 5">
-            <a:extLst>
-              <a:ext uri="{FF2B5EF4-FFF2-40B4-BE49-F238E27FC236}">
-                <a16:creationId xmlns:a16="http://schemas.microsoft.com/office/drawing/2014/main" id="{4C769C1B-CD0B-B8F3-3CAE-BB84FE5F27A9}"/>
-              </a:ext>
-            </a:extLst>
-          </p:cNvPr>
-          <p:cNvSpPr txBox="1"/>
-          <p:nvPr/>
-        </p:nvSpPr>
-        <p:spPr>
-          <a:xfrm>
-            <a:off x="4163163" y="4110306"/>
+            <a:off x="4163163" y="3748466"/>
             <a:ext cx="3865674" cy="461665"/>
           </a:xfrm>
           <a:prstGeom prst="rect">
@@ -8509,8 +8476,8 @@
         </p:nvSpPr>
         <p:spPr>
           <a:xfrm>
-            <a:off x="4522526" y="244167"/>
-            <a:ext cx="6447196" cy="991041"/>
+            <a:off x="4543547" y="401980"/>
+            <a:ext cx="2939819" cy="991041"/>
           </a:xfrm>
           <a:prstGeom prst="rect">
             <a:avLst/>
@@ -8543,7 +8510,7 @@
           <a:p>
             <a:r>
               <a:rPr lang="en-US" sz="3200"/>
-              <a:t>Takeaways</a:t>
+              <a:t>Takeaways so far</a:t>
             </a:r>
           </a:p>
           <a:p>
@@ -8680,7 +8647,7 @@
         </p:nvSpPr>
         <p:spPr>
           <a:xfrm>
-            <a:off x="7842169" y="4054584"/>
+            <a:off x="7842169" y="3982292"/>
             <a:ext cx="2999026" cy="830997"/>
           </a:xfrm>
           <a:prstGeom prst="rect">
@@ -9401,7 +9368,7 @@
         <p:spPr>
           <a:xfrm>
             <a:off x="2387425" y="3198167"/>
-            <a:ext cx="6639575" cy="461665"/>
+            <a:ext cx="7723717" cy="523220"/>
           </a:xfrm>
           <a:prstGeom prst="rect">
             <a:avLst/>
@@ -9415,7 +9382,7 @@
           <a:lstStyle/>
           <a:p>
             <a:r>
-              <a:rPr lang="en-US" sz="2400"/>
+              <a:rPr lang="en-US" sz="2800"/>
               <a:t>What results are you getting when working with AI?</a:t>
             </a:r>
           </a:p>
@@ -9564,6 +9531,86 @@
         <p:cNvPr id="1" name="">
           <a:extLst>
             <a:ext uri="{FF2B5EF4-FFF2-40B4-BE49-F238E27FC236}">
+              <a16:creationId xmlns:a16="http://schemas.microsoft.com/office/drawing/2014/main" id="{D48F0E7B-488E-E633-AC63-FD43733768E6}"/>
+            </a:ext>
+          </a:extLst>
+        </p:cNvPr>
+        <p:cNvGrpSpPr/>
+        <p:nvPr/>
+      </p:nvGrpSpPr>
+      <p:grpSpPr>
+        <a:xfrm>
+          <a:off x="0" y="0"/>
+          <a:ext cx="0" cy="0"/>
+          <a:chOff x="0" y="0"/>
+          <a:chExt cx="0" cy="0"/>
+        </a:xfrm>
+      </p:grpSpPr>
+      <p:sp>
+        <p:nvSpPr>
+          <p:cNvPr id="2" name="TextBox 1">
+            <a:extLst>
+              <a:ext uri="{FF2B5EF4-FFF2-40B4-BE49-F238E27FC236}">
+                <a16:creationId xmlns:a16="http://schemas.microsoft.com/office/drawing/2014/main" id="{F5177C77-07D3-FAD5-3A0A-EBF25479FDCF}"/>
+              </a:ext>
+            </a:extLst>
+          </p:cNvPr>
+          <p:cNvSpPr txBox="1"/>
+          <p:nvPr/>
+        </p:nvSpPr>
+        <p:spPr>
+          <a:xfrm>
+            <a:off x="3076832" y="3954162"/>
+            <a:ext cx="6620402" cy="923330"/>
+          </a:xfrm>
+          <a:prstGeom prst="rect">
+            <a:avLst/>
+          </a:prstGeom>
+          <a:noFill/>
+        </p:spPr>
+        <p:txBody>
+          <a:bodyPr wrap="none" rtlCol="0">
+            <a:spAutoFit/>
+          </a:bodyPr>
+          <a:lstStyle/>
+          <a:p>
+            <a:r>
+              <a:rPr lang="en-US"/>
+              <a:t>Thought: You could give it all your practices, but if some of them are </a:t>
+            </a:r>
+          </a:p>
+          <a:p>
+            <a:r>
+              <a:rPr lang="en-US"/>
+              <a:t>not relevant to what you’re doing, theywill distract the agent</a:t>
+            </a:r>
+          </a:p>
+          <a:p>
+            <a:endParaRPr lang="en-US"/>
+          </a:p>
+        </p:txBody>
+      </p:sp>
+    </p:spTree>
+    <p:extLst>
+      <p:ext uri="{BB962C8B-B14F-4D97-AF65-F5344CB8AC3E}">
+        <p14:creationId xmlns:p14="http://schemas.microsoft.com/office/powerpoint/2010/main" val="898208401"/>
+      </p:ext>
+    </p:extLst>
+  </p:cSld>
+  <p:clrMapOvr>
+    <a:masterClrMapping/>
+  </p:clrMapOvr>
+</p:sld>
+</file>
+
+<file path=ppt/slides/slide22.xml><?xml version="1.0" encoding="utf-8"?>
+<p:sld xmlns:a="http://schemas.openxmlformats.org/drawingml/2006/main" xmlns:r="http://schemas.openxmlformats.org/officeDocument/2006/relationships" xmlns:p="http://schemas.openxmlformats.org/presentationml/2006/main">
+  <p:cSld>
+    <p:spTree>
+      <p:nvGrpSpPr>
+        <p:cNvPr id="1" name="">
+          <a:extLst>
+            <a:ext uri="{FF2B5EF4-FFF2-40B4-BE49-F238E27FC236}">
               <a16:creationId xmlns:a16="http://schemas.microsoft.com/office/drawing/2014/main" id="{0CFA46C8-813B-7BDA-0078-693843D08E78}"/>
             </a:ext>
           </a:extLst>
@@ -9592,7 +9639,7 @@
 </p:sld>
 </file>
 
-<file path=ppt/slides/slide22.xml><?xml version="1.0" encoding="utf-8"?>
+<file path=ppt/slides/slide23.xml><?xml version="1.0" encoding="utf-8"?>
 <p:sld xmlns:a="http://schemas.openxmlformats.org/drawingml/2006/main" xmlns:r="http://schemas.openxmlformats.org/officeDocument/2006/relationships" xmlns:p="http://schemas.openxmlformats.org/presentationml/2006/main">
   <p:cSld>
     <p:spTree>
@@ -9773,7 +9820,7 @@
 </p:sld>
 </file>
 
-<file path=ppt/slides/slide23.xml><?xml version="1.0" encoding="utf-8"?>
+<file path=ppt/slides/slide24.xml><?xml version="1.0" encoding="utf-8"?>
 <p:sld xmlns:a="http://schemas.openxmlformats.org/drawingml/2006/main" xmlns:r="http://schemas.openxmlformats.org/officeDocument/2006/relationships" xmlns:p="http://schemas.openxmlformats.org/presentationml/2006/main">
   <p:cSld>
     <p:spTree>
@@ -10030,7 +10077,7 @@
 </p:sld>
 </file>
 
-<file path=ppt/slides/slide24.xml><?xml version="1.0" encoding="utf-8"?>
+<file path=ppt/slides/slide25.xml><?xml version="1.0" encoding="utf-8"?>
 <p:sld xmlns:a="http://schemas.openxmlformats.org/drawingml/2006/main" xmlns:r="http://schemas.openxmlformats.org/officeDocument/2006/relationships" xmlns:p="http://schemas.openxmlformats.org/presentationml/2006/main">
   <p:cSld>
     <p:spTree>
@@ -10160,7 +10207,7 @@
 </p:sld>
 </file>
 
-<file path=ppt/slides/slide25.xml><?xml version="1.0" encoding="utf-8"?>
+<file path=ppt/slides/slide26.xml><?xml version="1.0" encoding="utf-8"?>
 <p:sld xmlns:a="http://schemas.openxmlformats.org/drawingml/2006/main" xmlns:r="http://schemas.openxmlformats.org/officeDocument/2006/relationships" xmlns:p="http://schemas.openxmlformats.org/presentationml/2006/main">
   <p:cSld>
     <p:spTree>
@@ -10414,7 +10461,7 @@
 </p:sld>
 </file>
 
-<file path=ppt/slides/slide26.xml><?xml version="1.0" encoding="utf-8"?>
+<file path=ppt/slides/slide27.xml><?xml version="1.0" encoding="utf-8"?>
 <p:sld xmlns:a="http://schemas.openxmlformats.org/drawingml/2006/main" xmlns:r="http://schemas.openxmlformats.org/officeDocument/2006/relationships" xmlns:p="http://schemas.openxmlformats.org/presentationml/2006/main">
   <p:cSld>
     <p:spTree>
@@ -10760,7 +10807,7 @@
 </p:sld>
 </file>
 
-<file path=ppt/slides/slide27.xml><?xml version="1.0" encoding="utf-8"?>
+<file path=ppt/slides/slide28.xml><?xml version="1.0" encoding="utf-8"?>
 <p:sld xmlns:a="http://schemas.openxmlformats.org/drawingml/2006/main" xmlns:r="http://schemas.openxmlformats.org/officeDocument/2006/relationships" xmlns:p="http://schemas.openxmlformats.org/presentationml/2006/main">
   <p:cSld>
     <p:spTree>
@@ -10935,7 +10982,7 @@
 </p:sld>
 </file>
 
-<file path=ppt/slides/slide28.xml><?xml version="1.0" encoding="utf-8"?>
+<file path=ppt/slides/slide29.xml><?xml version="1.0" encoding="utf-8"?>
 <p:sld xmlns:a="http://schemas.openxmlformats.org/drawingml/2006/main" xmlns:r="http://schemas.openxmlformats.org/officeDocument/2006/relationships" xmlns:p="http://schemas.openxmlformats.org/presentationml/2006/main">
   <p:cSld>
     <p:spTree>
@@ -11032,321 +11079,6 @@
     <p:extLst>
       <p:ext uri="{BB962C8B-B14F-4D97-AF65-F5344CB8AC3E}">
         <p14:creationId xmlns:p14="http://schemas.microsoft.com/office/powerpoint/2010/main" val="167051268"/>
-      </p:ext>
-    </p:extLst>
-  </p:cSld>
-  <p:clrMapOvr>
-    <a:masterClrMapping/>
-  </p:clrMapOvr>
-</p:sld>
-</file>
-
-<file path=ppt/slides/slide29.xml><?xml version="1.0" encoding="utf-8"?>
-<p:sld xmlns:a="http://schemas.openxmlformats.org/drawingml/2006/main" xmlns:r="http://schemas.openxmlformats.org/officeDocument/2006/relationships" xmlns:p="http://schemas.openxmlformats.org/presentationml/2006/main">
-  <p:cSld>
-    <p:spTree>
-      <p:nvGrpSpPr>
-        <p:cNvPr id="1" name="">
-          <a:extLst>
-            <a:ext uri="{FF2B5EF4-FFF2-40B4-BE49-F238E27FC236}">
-              <a16:creationId xmlns:a16="http://schemas.microsoft.com/office/drawing/2014/main" id="{D36F59E6-36CF-568F-FB20-D41226307270}"/>
-            </a:ext>
-          </a:extLst>
-        </p:cNvPr>
-        <p:cNvGrpSpPr/>
-        <p:nvPr/>
-      </p:nvGrpSpPr>
-      <p:grpSpPr>
-        <a:xfrm>
-          <a:off x="0" y="0"/>
-          <a:ext cx="0" cy="0"/>
-          <a:chOff x="0" y="0"/>
-          <a:chExt cx="0" cy="0"/>
-        </a:xfrm>
-      </p:grpSpPr>
-      <p:sp>
-        <p:nvSpPr>
-          <p:cNvPr id="2" name="TextBox 1">
-            <a:extLst>
-              <a:ext uri="{FF2B5EF4-FFF2-40B4-BE49-F238E27FC236}">
-                <a16:creationId xmlns:a16="http://schemas.microsoft.com/office/drawing/2014/main" id="{E4BE729B-6D2F-57C3-23CB-D324DD568158}"/>
-              </a:ext>
-            </a:extLst>
-          </p:cNvPr>
-          <p:cNvSpPr txBox="1"/>
-          <p:nvPr/>
-        </p:nvSpPr>
-        <p:spPr>
-          <a:xfrm>
-            <a:off x="3954161" y="2951717"/>
-            <a:ext cx="3225307" cy="1200329"/>
-          </a:xfrm>
-          <a:prstGeom prst="rect">
-            <a:avLst/>
-          </a:prstGeom>
-          <a:noFill/>
-        </p:spPr>
-        <p:txBody>
-          <a:bodyPr wrap="none" rtlCol="0">
-            <a:spAutoFit/>
-          </a:bodyPr>
-          <a:lstStyle/>
-          <a:p>
-            <a:pPr marL="285750" indent="-285750">
-              <a:buFont typeface="Arial" panose="020B0604020202020204" pitchFamily="34" charset="0"/>
-              <a:buChar char="•"/>
-            </a:pPr>
-            <a:r>
-              <a:rPr lang="en-US" sz="2400"/>
-              <a:t>Context Management</a:t>
-            </a:r>
-          </a:p>
-          <a:p>
-            <a:pPr marL="285750" indent="-285750">
-              <a:buFont typeface="Arial" panose="020B0604020202020204" pitchFamily="34" charset="0"/>
-              <a:buChar char="•"/>
-            </a:pPr>
-            <a:r>
-              <a:rPr lang="en-US" sz="2400"/>
-              <a:t>Knowledge Document</a:t>
-            </a:r>
-          </a:p>
-          <a:p>
-            <a:pPr marL="285750" indent="-285750">
-              <a:buFont typeface="Arial" panose="020B0604020202020204" pitchFamily="34" charset="0"/>
-              <a:buChar char="•"/>
-            </a:pPr>
-            <a:r>
-              <a:rPr lang="en-US" sz="2400"/>
-              <a:t>Extract Knowledge</a:t>
-            </a:r>
-          </a:p>
-        </p:txBody>
-      </p:sp>
-      <p:sp>
-        <p:nvSpPr>
-          <p:cNvPr id="3" name="Title 3">
-            <a:extLst>
-              <a:ext uri="{FF2B5EF4-FFF2-40B4-BE49-F238E27FC236}">
-                <a16:creationId xmlns:a16="http://schemas.microsoft.com/office/drawing/2014/main" id="{BE958D50-A580-24CA-51A2-C1E6BE2100F2}"/>
-              </a:ext>
-            </a:extLst>
-          </p:cNvPr>
-          <p:cNvSpPr txBox="1">
-            <a:spLocks/>
-          </p:cNvSpPr>
-          <p:nvPr/>
-        </p:nvSpPr>
-        <p:spPr>
-          <a:xfrm>
-            <a:off x="4953399" y="2167560"/>
-            <a:ext cx="2485369" cy="547842"/>
-          </a:xfrm>
-          <a:prstGeom prst="rect">
-            <a:avLst/>
-          </a:prstGeom>
-          <a:noFill/>
-        </p:spPr>
-        <p:txBody>
-          <a:bodyPr wrap="square" rtlCol="0">
-            <a:spAutoFit/>
-          </a:bodyPr>
-          <a:lstStyle>
-            <a:lvl1pPr algn="l" defTabSz="914400" rtl="0" eaLnBrk="1" latinLnBrk="0" hangingPunct="1">
-              <a:lnSpc>
-                <a:spcPct val="90000"/>
-              </a:lnSpc>
-              <a:spcBef>
-                <a:spcPct val="0"/>
-              </a:spcBef>
-              <a:buNone/>
-              <a:defRPr sz="4400" kern="1200">
-                <a:solidFill>
-                  <a:schemeClr val="tx1"/>
-                </a:solidFill>
-                <a:latin typeface="+mj-lt"/>
-                <a:ea typeface="+mj-ea"/>
-                <a:cs typeface="+mj-cs"/>
-              </a:defRPr>
-            </a:lvl1pPr>
-          </a:lstStyle>
-          <a:p>
-            <a:r>
-              <a:rPr lang="en-US" sz="3200" b="1"/>
-              <a:t>Patterns</a:t>
-            </a:r>
-            <a:endParaRPr lang="en-US" sz="3200" b="1" i="1">
-              <a:latin typeface="Ink Free" panose="03080402000500000000" pitchFamily="66" charset="0"/>
-            </a:endParaRPr>
-          </a:p>
-        </p:txBody>
-      </p:sp>
-      <p:pic>
-        <p:nvPicPr>
-          <p:cNvPr id="4" name="Picture 3" descr="A green circle with black text and a number&#10;&#10;AI-generated content may be incorrect.">
-            <a:extLst>
-              <a:ext uri="{FF2B5EF4-FFF2-40B4-BE49-F238E27FC236}">
-                <a16:creationId xmlns:a16="http://schemas.microsoft.com/office/drawing/2014/main" id="{0E11DBD0-DA39-B627-E724-ADF1625293D7}"/>
-              </a:ext>
-            </a:extLst>
-          </p:cNvPr>
-          <p:cNvPicPr>
-            <a:picLocks noChangeAspect="1"/>
-          </p:cNvPicPr>
-          <p:nvPr/>
-        </p:nvPicPr>
-        <p:blipFill>
-          <a:blip r:embed="rId2"/>
-          <a:stretch>
-            <a:fillRect/>
-          </a:stretch>
-        </p:blipFill>
-        <p:spPr>
-          <a:xfrm>
-            <a:off x="9716530" y="1323888"/>
-            <a:ext cx="1219200" cy="1270000"/>
-          </a:xfrm>
-          <a:prstGeom prst="rect">
-            <a:avLst/>
-          </a:prstGeom>
-        </p:spPr>
-      </p:pic>
-      <p:pic>
-        <p:nvPicPr>
-          <p:cNvPr id="5" name="Picture 4" descr="A green circle with black text and a number&#10;&#10;AI-generated content may be incorrect.">
-            <a:extLst>
-              <a:ext uri="{FF2B5EF4-FFF2-40B4-BE49-F238E27FC236}">
-                <a16:creationId xmlns:a16="http://schemas.microsoft.com/office/drawing/2014/main" id="{5021A5EE-7554-014D-75B2-E7C2C1B5E7A5}"/>
-              </a:ext>
-            </a:extLst>
-          </p:cNvPr>
-          <p:cNvPicPr>
-            <a:picLocks noChangeAspect="1"/>
-          </p:cNvPicPr>
-          <p:nvPr/>
-        </p:nvPicPr>
-        <p:blipFill>
-          <a:blip r:embed="rId3"/>
-          <a:stretch>
-            <a:fillRect/>
-          </a:stretch>
-        </p:blipFill>
-        <p:spPr>
-          <a:xfrm>
-            <a:off x="9703830" y="2856299"/>
-            <a:ext cx="1231900" cy="1231900"/>
-          </a:xfrm>
-          <a:prstGeom prst="rect">
-            <a:avLst/>
-          </a:prstGeom>
-        </p:spPr>
-      </p:pic>
-      <p:pic>
-        <p:nvPicPr>
-          <p:cNvPr id="6" name="Picture 5" descr="A close-up of a white board&#10;&#10;AI-generated content may be incorrect.">
-            <a:extLst>
-              <a:ext uri="{FF2B5EF4-FFF2-40B4-BE49-F238E27FC236}">
-                <a16:creationId xmlns:a16="http://schemas.microsoft.com/office/drawing/2014/main" id="{C0809DB6-D3CA-C981-AD1A-AC980E89C911}"/>
-              </a:ext>
-            </a:extLst>
-          </p:cNvPr>
-          <p:cNvPicPr>
-            <a:picLocks noChangeAspect="1"/>
-          </p:cNvPicPr>
-          <p:nvPr/>
-        </p:nvPicPr>
-        <p:blipFill>
-          <a:blip r:embed="rId4"/>
-          <a:stretch>
-            <a:fillRect/>
-          </a:stretch>
-        </p:blipFill>
-        <p:spPr>
-          <a:xfrm>
-            <a:off x="9702629" y="4350610"/>
-            <a:ext cx="1168400" cy="1117600"/>
-          </a:xfrm>
-          <a:prstGeom prst="rect">
-            <a:avLst/>
-          </a:prstGeom>
-        </p:spPr>
-      </p:pic>
-      <p:sp>
-        <p:nvSpPr>
-          <p:cNvPr id="7" name="TextBox 6">
-            <a:extLst>
-              <a:ext uri="{FF2B5EF4-FFF2-40B4-BE49-F238E27FC236}">
-                <a16:creationId xmlns:a16="http://schemas.microsoft.com/office/drawing/2014/main" id="{000CC933-AC7B-E2E3-327B-340B358BE706}"/>
-              </a:ext>
-            </a:extLst>
-          </p:cNvPr>
-          <p:cNvSpPr txBox="1"/>
-          <p:nvPr/>
-        </p:nvSpPr>
-        <p:spPr>
-          <a:xfrm>
-            <a:off x="1602642" y="4876117"/>
-            <a:ext cx="8113888" cy="1477328"/>
-          </a:xfrm>
-          <a:prstGeom prst="rect">
-            <a:avLst/>
-          </a:prstGeom>
-          <a:noFill/>
-        </p:spPr>
-        <p:txBody>
-          <a:bodyPr wrap="none" rtlCol="0">
-            <a:spAutoFit/>
-          </a:bodyPr>
-          <a:lstStyle/>
-          <a:p>
-            <a:pPr marL="285750" indent="-285750">
-              <a:buFontTx/>
-              <a:buChar char="-"/>
-            </a:pPr>
-            <a:r>
-              <a:rPr lang="en-US"/>
-              <a:t>Since it can't remember, you have to become the memory manager </a:t>
-            </a:r>
-          </a:p>
-          <a:p>
-            <a:pPr marL="285750" indent="-285750">
-              <a:buFontTx/>
-              <a:buChar char="-"/>
-            </a:pPr>
-            <a:r>
-              <a:rPr lang="en-US"/>
-              <a:t>Move from ephemeral conversation → persistent files </a:t>
-            </a:r>
-          </a:p>
-          <a:p>
-            <a:pPr marL="285750" indent="-285750">
-              <a:buFontTx/>
-              <a:buChar char="-"/>
-            </a:pPr>
-            <a:r>
-              <a:rPr lang="en-US"/>
-              <a:t>It's like a save button — you capture what matters before it disappears </a:t>
-            </a:r>
-          </a:p>
-          <a:p>
-            <a:pPr marL="285750" indent="-285750">
-              <a:buFontTx/>
-              <a:buChar char="-"/>
-            </a:pPr>
-            <a:r>
-              <a:rPr lang="en-US"/>
-              <a:t>You're building a personal knowledge library that lives outside any single session</a:t>
-            </a:r>
-          </a:p>
-          <a:p>
-            <a:endParaRPr lang="en-US"/>
-          </a:p>
-        </p:txBody>
-      </p:sp>
-    </p:spTree>
-    <p:extLst>
-      <p:ext uri="{BB962C8B-B14F-4D97-AF65-F5344CB8AC3E}">
-        <p14:creationId xmlns:p14="http://schemas.microsoft.com/office/powerpoint/2010/main" val="1810834680"/>
       </p:ext>
     </p:extLst>
   </p:cSld>
@@ -12044,6 +11776,321 @@
         <p:cNvPr id="1" name="">
           <a:extLst>
             <a:ext uri="{FF2B5EF4-FFF2-40B4-BE49-F238E27FC236}">
+              <a16:creationId xmlns:a16="http://schemas.microsoft.com/office/drawing/2014/main" id="{D36F59E6-36CF-568F-FB20-D41226307270}"/>
+            </a:ext>
+          </a:extLst>
+        </p:cNvPr>
+        <p:cNvGrpSpPr/>
+        <p:nvPr/>
+      </p:nvGrpSpPr>
+      <p:grpSpPr>
+        <a:xfrm>
+          <a:off x="0" y="0"/>
+          <a:ext cx="0" cy="0"/>
+          <a:chOff x="0" y="0"/>
+          <a:chExt cx="0" cy="0"/>
+        </a:xfrm>
+      </p:grpSpPr>
+      <p:sp>
+        <p:nvSpPr>
+          <p:cNvPr id="2" name="TextBox 1">
+            <a:extLst>
+              <a:ext uri="{FF2B5EF4-FFF2-40B4-BE49-F238E27FC236}">
+                <a16:creationId xmlns:a16="http://schemas.microsoft.com/office/drawing/2014/main" id="{E4BE729B-6D2F-57C3-23CB-D324DD568158}"/>
+              </a:ext>
+            </a:extLst>
+          </p:cNvPr>
+          <p:cNvSpPr txBox="1"/>
+          <p:nvPr/>
+        </p:nvSpPr>
+        <p:spPr>
+          <a:xfrm>
+            <a:off x="3954161" y="2951717"/>
+            <a:ext cx="3225307" cy="1200329"/>
+          </a:xfrm>
+          <a:prstGeom prst="rect">
+            <a:avLst/>
+          </a:prstGeom>
+          <a:noFill/>
+        </p:spPr>
+        <p:txBody>
+          <a:bodyPr wrap="none" rtlCol="0">
+            <a:spAutoFit/>
+          </a:bodyPr>
+          <a:lstStyle/>
+          <a:p>
+            <a:pPr marL="285750" indent="-285750">
+              <a:buFont typeface="Arial" panose="020B0604020202020204" pitchFamily="34" charset="0"/>
+              <a:buChar char="•"/>
+            </a:pPr>
+            <a:r>
+              <a:rPr lang="en-US" sz="2400"/>
+              <a:t>Context Management</a:t>
+            </a:r>
+          </a:p>
+          <a:p>
+            <a:pPr marL="285750" indent="-285750">
+              <a:buFont typeface="Arial" panose="020B0604020202020204" pitchFamily="34" charset="0"/>
+              <a:buChar char="•"/>
+            </a:pPr>
+            <a:r>
+              <a:rPr lang="en-US" sz="2400"/>
+              <a:t>Knowledge Document</a:t>
+            </a:r>
+          </a:p>
+          <a:p>
+            <a:pPr marL="285750" indent="-285750">
+              <a:buFont typeface="Arial" panose="020B0604020202020204" pitchFamily="34" charset="0"/>
+              <a:buChar char="•"/>
+            </a:pPr>
+            <a:r>
+              <a:rPr lang="en-US" sz="2400"/>
+              <a:t>Extract Knowledge</a:t>
+            </a:r>
+          </a:p>
+        </p:txBody>
+      </p:sp>
+      <p:sp>
+        <p:nvSpPr>
+          <p:cNvPr id="3" name="Title 3">
+            <a:extLst>
+              <a:ext uri="{FF2B5EF4-FFF2-40B4-BE49-F238E27FC236}">
+                <a16:creationId xmlns:a16="http://schemas.microsoft.com/office/drawing/2014/main" id="{BE958D50-A580-24CA-51A2-C1E6BE2100F2}"/>
+              </a:ext>
+            </a:extLst>
+          </p:cNvPr>
+          <p:cNvSpPr txBox="1">
+            <a:spLocks/>
+          </p:cNvSpPr>
+          <p:nvPr/>
+        </p:nvSpPr>
+        <p:spPr>
+          <a:xfrm>
+            <a:off x="4953399" y="2167560"/>
+            <a:ext cx="2485369" cy="547842"/>
+          </a:xfrm>
+          <a:prstGeom prst="rect">
+            <a:avLst/>
+          </a:prstGeom>
+          <a:noFill/>
+        </p:spPr>
+        <p:txBody>
+          <a:bodyPr wrap="square" rtlCol="0">
+            <a:spAutoFit/>
+          </a:bodyPr>
+          <a:lstStyle>
+            <a:lvl1pPr algn="l" defTabSz="914400" rtl="0" eaLnBrk="1" latinLnBrk="0" hangingPunct="1">
+              <a:lnSpc>
+                <a:spcPct val="90000"/>
+              </a:lnSpc>
+              <a:spcBef>
+                <a:spcPct val="0"/>
+              </a:spcBef>
+              <a:buNone/>
+              <a:defRPr sz="4400" kern="1200">
+                <a:solidFill>
+                  <a:schemeClr val="tx1"/>
+                </a:solidFill>
+                <a:latin typeface="+mj-lt"/>
+                <a:ea typeface="+mj-ea"/>
+                <a:cs typeface="+mj-cs"/>
+              </a:defRPr>
+            </a:lvl1pPr>
+          </a:lstStyle>
+          <a:p>
+            <a:r>
+              <a:rPr lang="en-US" sz="3200" b="1"/>
+              <a:t>Patterns</a:t>
+            </a:r>
+            <a:endParaRPr lang="en-US" sz="3200" b="1" i="1">
+              <a:latin typeface="Ink Free" panose="03080402000500000000" pitchFamily="66" charset="0"/>
+            </a:endParaRPr>
+          </a:p>
+        </p:txBody>
+      </p:sp>
+      <p:pic>
+        <p:nvPicPr>
+          <p:cNvPr id="4" name="Picture 3" descr="A green circle with black text and a number&#10;&#10;AI-generated content may be incorrect.">
+            <a:extLst>
+              <a:ext uri="{FF2B5EF4-FFF2-40B4-BE49-F238E27FC236}">
+                <a16:creationId xmlns:a16="http://schemas.microsoft.com/office/drawing/2014/main" id="{0E11DBD0-DA39-B627-E724-ADF1625293D7}"/>
+              </a:ext>
+            </a:extLst>
+          </p:cNvPr>
+          <p:cNvPicPr>
+            <a:picLocks noChangeAspect="1"/>
+          </p:cNvPicPr>
+          <p:nvPr/>
+        </p:nvPicPr>
+        <p:blipFill>
+          <a:blip r:embed="rId2"/>
+          <a:stretch>
+            <a:fillRect/>
+          </a:stretch>
+        </p:blipFill>
+        <p:spPr>
+          <a:xfrm>
+            <a:off x="9716530" y="1323888"/>
+            <a:ext cx="1219200" cy="1270000"/>
+          </a:xfrm>
+          <a:prstGeom prst="rect">
+            <a:avLst/>
+          </a:prstGeom>
+        </p:spPr>
+      </p:pic>
+      <p:pic>
+        <p:nvPicPr>
+          <p:cNvPr id="5" name="Picture 4" descr="A green circle with black text and a number&#10;&#10;AI-generated content may be incorrect.">
+            <a:extLst>
+              <a:ext uri="{FF2B5EF4-FFF2-40B4-BE49-F238E27FC236}">
+                <a16:creationId xmlns:a16="http://schemas.microsoft.com/office/drawing/2014/main" id="{5021A5EE-7554-014D-75B2-E7C2C1B5E7A5}"/>
+              </a:ext>
+            </a:extLst>
+          </p:cNvPr>
+          <p:cNvPicPr>
+            <a:picLocks noChangeAspect="1"/>
+          </p:cNvPicPr>
+          <p:nvPr/>
+        </p:nvPicPr>
+        <p:blipFill>
+          <a:blip r:embed="rId3"/>
+          <a:stretch>
+            <a:fillRect/>
+          </a:stretch>
+        </p:blipFill>
+        <p:spPr>
+          <a:xfrm>
+            <a:off x="9703830" y="2856299"/>
+            <a:ext cx="1231900" cy="1231900"/>
+          </a:xfrm>
+          <a:prstGeom prst="rect">
+            <a:avLst/>
+          </a:prstGeom>
+        </p:spPr>
+      </p:pic>
+      <p:pic>
+        <p:nvPicPr>
+          <p:cNvPr id="6" name="Picture 5" descr="A close-up of a white board&#10;&#10;AI-generated content may be incorrect.">
+            <a:extLst>
+              <a:ext uri="{FF2B5EF4-FFF2-40B4-BE49-F238E27FC236}">
+                <a16:creationId xmlns:a16="http://schemas.microsoft.com/office/drawing/2014/main" id="{C0809DB6-D3CA-C981-AD1A-AC980E89C911}"/>
+              </a:ext>
+            </a:extLst>
+          </p:cNvPr>
+          <p:cNvPicPr>
+            <a:picLocks noChangeAspect="1"/>
+          </p:cNvPicPr>
+          <p:nvPr/>
+        </p:nvPicPr>
+        <p:blipFill>
+          <a:blip r:embed="rId4"/>
+          <a:stretch>
+            <a:fillRect/>
+          </a:stretch>
+        </p:blipFill>
+        <p:spPr>
+          <a:xfrm>
+            <a:off x="9702629" y="4350610"/>
+            <a:ext cx="1168400" cy="1117600"/>
+          </a:xfrm>
+          <a:prstGeom prst="rect">
+            <a:avLst/>
+          </a:prstGeom>
+        </p:spPr>
+      </p:pic>
+      <p:sp>
+        <p:nvSpPr>
+          <p:cNvPr id="7" name="TextBox 6">
+            <a:extLst>
+              <a:ext uri="{FF2B5EF4-FFF2-40B4-BE49-F238E27FC236}">
+                <a16:creationId xmlns:a16="http://schemas.microsoft.com/office/drawing/2014/main" id="{000CC933-AC7B-E2E3-327B-340B358BE706}"/>
+              </a:ext>
+            </a:extLst>
+          </p:cNvPr>
+          <p:cNvSpPr txBox="1"/>
+          <p:nvPr/>
+        </p:nvSpPr>
+        <p:spPr>
+          <a:xfrm>
+            <a:off x="1602642" y="4876117"/>
+            <a:ext cx="8113888" cy="1477328"/>
+          </a:xfrm>
+          <a:prstGeom prst="rect">
+            <a:avLst/>
+          </a:prstGeom>
+          <a:noFill/>
+        </p:spPr>
+        <p:txBody>
+          <a:bodyPr wrap="none" rtlCol="0">
+            <a:spAutoFit/>
+          </a:bodyPr>
+          <a:lstStyle/>
+          <a:p>
+            <a:pPr marL="285750" indent="-285750">
+              <a:buFontTx/>
+              <a:buChar char="-"/>
+            </a:pPr>
+            <a:r>
+              <a:rPr lang="en-US"/>
+              <a:t>Since it can't remember, you have to become the memory manager </a:t>
+            </a:r>
+          </a:p>
+          <a:p>
+            <a:pPr marL="285750" indent="-285750">
+              <a:buFontTx/>
+              <a:buChar char="-"/>
+            </a:pPr>
+            <a:r>
+              <a:rPr lang="en-US"/>
+              <a:t>Move from ephemeral conversation → persistent files </a:t>
+            </a:r>
+          </a:p>
+          <a:p>
+            <a:pPr marL="285750" indent="-285750">
+              <a:buFontTx/>
+              <a:buChar char="-"/>
+            </a:pPr>
+            <a:r>
+              <a:rPr lang="en-US"/>
+              <a:t>It's like a save button — you capture what matters before it disappears </a:t>
+            </a:r>
+          </a:p>
+          <a:p>
+            <a:pPr marL="285750" indent="-285750">
+              <a:buFontTx/>
+              <a:buChar char="-"/>
+            </a:pPr>
+            <a:r>
+              <a:rPr lang="en-US"/>
+              <a:t>You're building a personal knowledge library that lives outside any single session</a:t>
+            </a:r>
+          </a:p>
+          <a:p>
+            <a:endParaRPr lang="en-US"/>
+          </a:p>
+        </p:txBody>
+      </p:sp>
+    </p:spTree>
+    <p:extLst>
+      <p:ext uri="{BB962C8B-B14F-4D97-AF65-F5344CB8AC3E}">
+        <p14:creationId xmlns:p14="http://schemas.microsoft.com/office/powerpoint/2010/main" val="1810834680"/>
+      </p:ext>
+    </p:extLst>
+  </p:cSld>
+  <p:clrMapOvr>
+    <a:masterClrMapping/>
+  </p:clrMapOvr>
+</p:sld>
+</file>
+
+<file path=ppt/slides/slide31.xml><?xml version="1.0" encoding="utf-8"?>
+<p:sld xmlns:a="http://schemas.openxmlformats.org/drawingml/2006/main" xmlns:r="http://schemas.openxmlformats.org/officeDocument/2006/relationships" xmlns:p="http://schemas.openxmlformats.org/presentationml/2006/main">
+  <p:cSld>
+    <p:spTree>
+      <p:nvGrpSpPr>
+        <p:cNvPr id="1" name="">
+          <a:extLst>
+            <a:ext uri="{FF2B5EF4-FFF2-40B4-BE49-F238E27FC236}">
               <a16:creationId xmlns:a16="http://schemas.microsoft.com/office/drawing/2014/main" id="{D8EE2115-8866-1AE1-35A7-20643BE73834}"/>
             </a:ext>
           </a:extLst>
@@ -12283,7 +12330,7 @@
 </p:sld>
 </file>
 
-<file path=ppt/slides/slide31.xml><?xml version="1.0" encoding="utf-8"?>
+<file path=ppt/slides/slide32.xml><?xml version="1.0" encoding="utf-8"?>
 <p:sld xmlns:a="http://schemas.openxmlformats.org/drawingml/2006/main" xmlns:r="http://schemas.openxmlformats.org/officeDocument/2006/relationships" xmlns:p="http://schemas.openxmlformats.org/presentationml/2006/main">
   <p:cSld>
     <p:spTree>
@@ -12495,7 +12542,7 @@
 </p:sld>
 </file>
 
-<file path=ppt/slides/slide32.xml><?xml version="1.0" encoding="utf-8"?>
+<file path=ppt/slides/slide33.xml><?xml version="1.0" encoding="utf-8"?>
 <p:sld xmlns:a="http://schemas.openxmlformats.org/drawingml/2006/main" xmlns:r="http://schemas.openxmlformats.org/officeDocument/2006/relationships" xmlns:p="http://schemas.openxmlformats.org/presentationml/2006/main">
   <p:cSld>
     <p:spTree>
@@ -12812,7 +12859,7 @@
 </p:sld>
 </file>
 
-<file path=ppt/slides/slide33.xml><?xml version="1.0" encoding="utf-8"?>
+<file path=ppt/slides/slide34.xml><?xml version="1.0" encoding="utf-8"?>
 <p:sld xmlns:a="http://schemas.openxmlformats.org/drawingml/2006/main" xmlns:r="http://schemas.openxmlformats.org/officeDocument/2006/relationships" xmlns:p="http://schemas.openxmlformats.org/presentationml/2006/main">
   <p:cSld>
     <p:spTree>
@@ -13143,7 +13190,7 @@
 </p:sld>
 </file>
 
-<file path=ppt/slides/slide34.xml><?xml version="1.0" encoding="utf-8"?>
+<file path=ppt/slides/slide35.xml><?xml version="1.0" encoding="utf-8"?>
 <p:sld xmlns:a="http://schemas.openxmlformats.org/drawingml/2006/main" xmlns:r="http://schemas.openxmlformats.org/officeDocument/2006/relationships" xmlns:p="http://schemas.openxmlformats.org/presentationml/2006/main">
   <p:cSld>
     <p:spTree>
@@ -13509,7 +13556,7 @@
 </p:sld>
 </file>
 
-<file path=ppt/slides/slide35.xml><?xml version="1.0" encoding="utf-8"?>
+<file path=ppt/slides/slide36.xml><?xml version="1.0" encoding="utf-8"?>
 <p:sld xmlns:a="http://schemas.openxmlformats.org/drawingml/2006/main" xmlns:r="http://schemas.openxmlformats.org/officeDocument/2006/relationships" xmlns:p="http://schemas.openxmlformats.org/presentationml/2006/main">
   <p:cSld>
     <p:spTree>
@@ -19343,8 +19390,8 @@
         </p:nvSpPr>
         <p:spPr>
           <a:xfrm>
-            <a:off x="4504184" y="6131829"/>
-            <a:ext cx="1991209" cy="461665"/>
+            <a:off x="4504183" y="5807871"/>
+            <a:ext cx="2354043" cy="461665"/>
           </a:xfrm>
           <a:prstGeom prst="rect">
             <a:avLst/>
@@ -19358,12 +19405,12 @@
           <a:lstStyle/>
           <a:p>
             <a:r>
-              <a:rPr lang="en-US" sz="2400">
+              <a:rPr lang="en-US" sz="2400" b="1">
                 <a:solidFill>
                   <a:srgbClr val="C00000"/>
                 </a:solidFill>
               </a:rPr>
-              <a:t>Does not fit!</a:t>
+              <a:t>“Compacting...”</a:t>
             </a:r>
           </a:p>
         </p:txBody>
@@ -20005,7 +20052,7 @@
         </p:nvSpPr>
         <p:spPr>
           <a:xfrm>
-            <a:off x="8024613" y="4534372"/>
+            <a:off x="8022026" y="4597369"/>
             <a:ext cx="3795515" cy="1698730"/>
           </a:xfrm>
           <a:prstGeom prst="rect">
@@ -20052,7 +20099,7 @@
         </p:nvSpPr>
         <p:spPr>
           <a:xfrm>
-            <a:off x="9216084" y="5436129"/>
+            <a:off x="9213497" y="5499126"/>
             <a:ext cx="564293" cy="539578"/>
           </a:xfrm>
           <a:prstGeom prst="rect">
@@ -20108,7 +20155,7 @@
         </p:nvSpPr>
         <p:spPr>
           <a:xfrm>
-            <a:off x="8400921" y="4697889"/>
+            <a:off x="8398334" y="4760886"/>
             <a:ext cx="3024418" cy="369332"/>
           </a:xfrm>
           <a:prstGeom prst="rect">
@@ -20143,7 +20190,7 @@
         </p:nvSpPr>
         <p:spPr>
           <a:xfrm>
-            <a:off x="10971847" y="5422137"/>
+            <a:off x="10969260" y="5485134"/>
             <a:ext cx="564293" cy="539578"/>
           </a:xfrm>
           <a:prstGeom prst="rect">
@@ -20196,7 +20243,7 @@
         </p:nvSpPr>
         <p:spPr>
           <a:xfrm>
-            <a:off x="8411170" y="5436129"/>
+            <a:off x="8408583" y="5499126"/>
             <a:ext cx="564293" cy="539578"/>
           </a:xfrm>
           <a:prstGeom prst="rect">
@@ -20249,7 +20296,7 @@
         </p:nvSpPr>
         <p:spPr>
           <a:xfrm>
-            <a:off x="10092035" y="5436129"/>
+            <a:off x="10089448" y="5499126"/>
             <a:ext cx="564293" cy="539578"/>
           </a:xfrm>
           <a:prstGeom prst="rect">
@@ -20321,6 +20368,80 @@
             <a:r>
               <a:rPr lang="en-US"/>
               <a:t>context</a:t>
+            </a:r>
+          </a:p>
+        </p:txBody>
+      </p:sp>
+      <p:sp>
+        <p:nvSpPr>
+          <p:cNvPr id="62" name="TextBox 61">
+            <a:extLst>
+              <a:ext uri="{FF2B5EF4-FFF2-40B4-BE49-F238E27FC236}">
+                <a16:creationId xmlns:a16="http://schemas.microsoft.com/office/drawing/2014/main" id="{19AE3F69-05ED-4632-0DCD-B6DEDF78B0E3}"/>
+              </a:ext>
+            </a:extLst>
+          </p:cNvPr>
+          <p:cNvSpPr txBox="1"/>
+          <p:nvPr/>
+        </p:nvSpPr>
+        <p:spPr>
+          <a:xfrm>
+            <a:off x="4564285" y="2996066"/>
+            <a:ext cx="3460327" cy="461665"/>
+          </a:xfrm>
+          <a:prstGeom prst="rect">
+            <a:avLst/>
+          </a:prstGeom>
+          <a:noFill/>
+        </p:spPr>
+        <p:txBody>
+          <a:bodyPr wrap="square" rtlCol="0">
+            <a:spAutoFit/>
+          </a:bodyPr>
+          <a:lstStyle/>
+          <a:p>
+            <a:r>
+              <a:rPr lang="en-US" sz="2400"/>
+              <a:t>Limited context window</a:t>
+            </a:r>
+          </a:p>
+        </p:txBody>
+      </p:sp>
+      <p:sp>
+        <p:nvSpPr>
+          <p:cNvPr id="63" name="TextBox 62">
+            <a:extLst>
+              <a:ext uri="{FF2B5EF4-FFF2-40B4-BE49-F238E27FC236}">
+                <a16:creationId xmlns:a16="http://schemas.microsoft.com/office/drawing/2014/main" id="{C6F3FFDA-BE2D-250C-0012-9693E53F4607}"/>
+              </a:ext>
+            </a:extLst>
+          </p:cNvPr>
+          <p:cNvSpPr txBox="1"/>
+          <p:nvPr/>
+        </p:nvSpPr>
+        <p:spPr>
+          <a:xfrm>
+            <a:off x="4504182" y="6269536"/>
+            <a:ext cx="4709315" cy="461665"/>
+          </a:xfrm>
+          <a:prstGeom prst="rect">
+            <a:avLst/>
+          </a:prstGeom>
+          <a:noFill/>
+        </p:spPr>
+        <p:txBody>
+          <a:bodyPr wrap="square" rtlCol="0">
+            <a:spAutoFit/>
+          </a:bodyPr>
+          <a:lstStyle/>
+          <a:p>
+            <a:r>
+              <a:rPr lang="en-US" sz="2400" b="1">
+                <a:solidFill>
+                  <a:srgbClr val="C00000"/>
+                </a:solidFill>
+              </a:rPr>
+              <a:t>“Please start a new conversation”</a:t>
             </a:r>
           </a:p>
         </p:txBody>
@@ -20504,6 +20625,96 @@
                                           </p:stCondLst>
                                         </p:cTn>
                                         <p:tgtEl>
+                                          <p:spTgt spid="63"/>
+                                        </p:tgtEl>
+                                        <p:attrNameLst>
+                                          <p:attrName>style.visibility</p:attrName>
+                                        </p:attrNameLst>
+                                      </p:cBhvr>
+                                      <p:to>
+                                        <p:strVal val="visible"/>
+                                      </p:to>
+                                    </p:set>
+                                  </p:childTnLst>
+                                </p:cTn>
+                              </p:par>
+                            </p:childTnLst>
+                          </p:cTn>
+                        </p:par>
+                      </p:childTnLst>
+                    </p:cTn>
+                  </p:par>
+                  <p:par>
+                    <p:cTn id="19" fill="hold">
+                      <p:stCondLst>
+                        <p:cond delay="indefinite"/>
+                      </p:stCondLst>
+                      <p:childTnLst>
+                        <p:par>
+                          <p:cTn id="20" fill="hold">
+                            <p:stCondLst>
+                              <p:cond delay="0"/>
+                            </p:stCondLst>
+                            <p:childTnLst>
+                              <p:par>
+                                <p:cTn id="21" presetID="1" presetClass="entr" presetSubtype="0" fill="hold" grpId="0" nodeType="clickEffect">
+                                  <p:stCondLst>
+                                    <p:cond delay="0"/>
+                                  </p:stCondLst>
+                                  <p:childTnLst>
+                                    <p:set>
+                                      <p:cBhvr>
+                                        <p:cTn id="22" dur="1" fill="hold">
+                                          <p:stCondLst>
+                                            <p:cond delay="0"/>
+                                          </p:stCondLst>
+                                        </p:cTn>
+                                        <p:tgtEl>
+                                          <p:spTgt spid="62"/>
+                                        </p:tgtEl>
+                                        <p:attrNameLst>
+                                          <p:attrName>style.visibility</p:attrName>
+                                        </p:attrNameLst>
+                                      </p:cBhvr>
+                                      <p:to>
+                                        <p:strVal val="visible"/>
+                                      </p:to>
+                                    </p:set>
+                                  </p:childTnLst>
+                                </p:cTn>
+                              </p:par>
+                            </p:childTnLst>
+                          </p:cTn>
+                        </p:par>
+                      </p:childTnLst>
+                    </p:cTn>
+                  </p:par>
+                  <p:par>
+                    <p:cTn id="23" fill="hold">
+                      <p:stCondLst>
+                        <p:cond delay="indefinite"/>
+                      </p:stCondLst>
+                      <p:childTnLst>
+                        <p:par>
+                          <p:cTn id="24" fill="hold">
+                            <p:stCondLst>
+                              <p:cond delay="0"/>
+                            </p:stCondLst>
+                            <p:childTnLst>
+                              <p:par>
+                                <p:cTn id="25" presetID="1" presetClass="entr" presetSubtype="0" fill="hold" grpId="0" nodeType="clickEffect">
+                                  <p:stCondLst>
+                                    <p:cond delay="0"/>
+                                  </p:stCondLst>
+                                  <p:childTnLst>
+                                    <p:set>
+                                      <p:cBhvr>
+                                        <p:cTn id="26" dur="1" fill="hold">
+                                          <p:stCondLst>
+                                            <p:cond delay="0"/>
+                                          </p:stCondLst>
+                                        </p:cTn>
+                                        <p:tgtEl>
                                           <p:spTgt spid="25"/>
                                         </p:tgtEl>
                                         <p:attrNameLst>
@@ -20549,6 +20760,8 @@
       <p:bldP spid="23" grpId="0" animBg="1"/>
       <p:bldP spid="24" grpId="0"/>
       <p:bldP spid="25" grpId="0"/>
+      <p:bldP spid="62" grpId="0"/>
+      <p:bldP spid="63" grpId="0"/>
     </p:bldLst>
   </p:timing>
 </p:sld>
